--- a/files/teaching-resources/monmouthcollege-econ-301/econ-301-s2024/econ-301-s2024-lecture-note/ECON301-S2024-LEC15.pptx
+++ b/files/teaching-resources/monmouthcollege-econ-301/econ-301-s2024/econ-301-s2024-lecture-note/ECON301-S2024-LEC15.pptx
@@ -5,7 +5,7 @@
     <p:sldMasterId id="2147483720" r:id="rId1"/>
   </p:sldMasterIdLst>
   <p:notesMasterIdLst>
-    <p:notesMasterId r:id="rId39"/>
+    <p:notesMasterId r:id="rId37"/>
   </p:notesMasterIdLst>
   <p:sldIdLst>
     <p:sldId id="256" r:id="rId2"/>
@@ -36,15 +36,13 @@
     <p:sldId id="377" r:id="rId27"/>
     <p:sldId id="378" r:id="rId28"/>
     <p:sldId id="379" r:id="rId29"/>
-    <p:sldId id="393" r:id="rId30"/>
-    <p:sldId id="395" r:id="rId31"/>
-    <p:sldId id="380" r:id="rId32"/>
-    <p:sldId id="384" r:id="rId33"/>
-    <p:sldId id="385" r:id="rId34"/>
-    <p:sldId id="396" r:id="rId35"/>
-    <p:sldId id="398" r:id="rId36"/>
-    <p:sldId id="389" r:id="rId37"/>
-    <p:sldId id="399" r:id="rId38"/>
+    <p:sldId id="380" r:id="rId30"/>
+    <p:sldId id="384" r:id="rId31"/>
+    <p:sldId id="385" r:id="rId32"/>
+    <p:sldId id="396" r:id="rId33"/>
+    <p:sldId id="398" r:id="rId34"/>
+    <p:sldId id="389" r:id="rId35"/>
+    <p:sldId id="399" r:id="rId36"/>
   </p:sldIdLst>
   <p:sldSz cx="9144000" cy="6858000" type="screen4x3"/>
   <p:notesSz cx="6858000" cy="9144000"/>
@@ -233,7 +231,7 @@
           <a:p>
             <a:fld id="{0E0A6441-4E79-42FF-805B-86C90BDFD38D}" type="datetimeFigureOut">
               <a:rPr lang="en-US" smtClean="0"/>
-              <a:t>4/16/2024</a:t>
+              <a:t>4/21/2024</a:t>
             </a:fld>
             <a:endParaRPr lang="en-US" dirty="0"/>
           </a:p>
@@ -795,252 +793,6 @@
               <a:t>
 Poll Title: Do not modify the notes in this section to avoid tampering with the Poll Everywhere activity.
 More info at polleverywhere.com/support
-An economy is at its medium-run equilibrium, but running a large trade deficit. How can the government reduce the trade deficit while keeping output at $$Y_n$$?
-https://www.polleverywhere.com/multiple_choice_polls/5VJZC85jct271OoworQur?display_state=instructions&amp;activity_state=opened&amp;state=opened&amp;flow=Engagement&amp;onscreen=persist</a:t>
-            </a:r>
-          </a:p>
-        </p:txBody>
-      </p:sp>
-      <p:sp>
-        <p:nvSpPr>
-          <p:cNvPr id="4" name="Slide Number Placeholder 3"/>
-          <p:cNvSpPr>
-            <a:spLocks noGrp="1"/>
-          </p:cNvSpPr>
-          <p:nvPr>
-            <p:ph type="sldNum" sz="quarter" idx="5"/>
-          </p:nvPr>
-        </p:nvSpPr>
-        <p:spPr/>
-        <p:txBody>
-          <a:bodyPr/>
-          <a:lstStyle/>
-          <a:p>
-            <a:fld id="{64A29054-221E-4755-818D-C35A08AFDBE7}" type="slidenum">
-              <a:rPr lang="en-US" smtClean="0"/>
-              <a:t>29</a:t>
-            </a:fld>
-            <a:endParaRPr lang="en-US" dirty="0"/>
-          </a:p>
-        </p:txBody>
-      </p:sp>
-      <p:sp>
-        <p:nvSpPr>
-          <p:cNvPr id="5" name="TextBox 4">
-            <a:extLst>
-              <a:ext uri="{FF2B5EF4-FFF2-40B4-BE49-F238E27FC236}">
-                <a16:creationId xmlns:a16="http://schemas.microsoft.com/office/drawing/2014/main" id="{9EBA731A-7CF5-AD6B-88AA-585D2696FBE5}"/>
-              </a:ext>
-            </a:extLst>
-          </p:cNvPr>
-          <p:cNvSpPr txBox="1"/>
-          <p:nvPr/>
-        </p:nvSpPr>
-        <p:spPr>
-          <a:xfrm>
-            <a:off x="0" y="0"/>
-            <a:ext cx="3810000" cy="1270000"/>
-          </a:xfrm>
-          <a:prstGeom prst="rect">
-            <a:avLst/>
-          </a:prstGeom>
-          <a:noFill/>
-        </p:spPr>
-        <p:txBody>
-          <a:bodyPr vert="horz" rtlCol="0">
-            <a:spAutoFit/>
-          </a:bodyPr>
-          <a:lstStyle/>
-          <a:p>
-            <a:endParaRPr lang="en-US"/>
-          </a:p>
-        </p:txBody>
-      </p:sp>
-    </p:spTree>
-    <p:extLst>
-      <p:ext uri="{BB962C8B-B14F-4D97-AF65-F5344CB8AC3E}">
-        <p14:creationId xmlns:p14="http://schemas.microsoft.com/office/powerpoint/2010/main" val="3988617128"/>
-      </p:ext>
-    </p:extLst>
-  </p:cSld>
-  <p:clrMapOvr>
-    <a:masterClrMapping/>
-  </p:clrMapOvr>
-</p:notes>
-</file>
-
-<file path=ppt/notesSlides/notesSlide4.xml><?xml version="1.0" encoding="utf-8"?>
-<p:notes xmlns:a="http://schemas.openxmlformats.org/drawingml/2006/main" xmlns:r="http://schemas.openxmlformats.org/officeDocument/2006/relationships" xmlns:p="http://schemas.openxmlformats.org/presentationml/2006/main">
-  <p:cSld>
-    <p:spTree>
-      <p:nvGrpSpPr>
-        <p:cNvPr id="1" name=""/>
-        <p:cNvGrpSpPr/>
-        <p:nvPr/>
-      </p:nvGrpSpPr>
-      <p:grpSpPr>
-        <a:xfrm>
-          <a:off x="0" y="0"/>
-          <a:ext cx="0" cy="0"/>
-          <a:chOff x="0" y="0"/>
-          <a:chExt cx="0" cy="0"/>
-        </a:xfrm>
-      </p:grpSpPr>
-      <p:sp>
-        <p:nvSpPr>
-          <p:cNvPr id="2" name="Slide Image Placeholder 1"/>
-          <p:cNvSpPr>
-            <a:spLocks noGrp="1" noRot="1" noChangeAspect="1"/>
-          </p:cNvSpPr>
-          <p:nvPr>
-            <p:ph type="sldImg"/>
-          </p:nvPr>
-        </p:nvSpPr>
-        <p:spPr/>
-      </p:sp>
-      <p:sp>
-        <p:nvSpPr>
-          <p:cNvPr id="3" name="Notes Placeholder 2"/>
-          <p:cNvSpPr>
-            <a:spLocks noGrp="1"/>
-          </p:cNvSpPr>
-          <p:nvPr>
-            <p:ph type="body" idx="1"/>
-          </p:nvPr>
-        </p:nvSpPr>
-        <p:spPr/>
-        <p:txBody>
-          <a:bodyPr/>
-          <a:lstStyle/>
-          <a:p>
-            <a:r>
-              <a:rPr lang="en-US"/>
-              <a:t>
-Poll Title: Do not modify the notes in this section to avoid tampering with the Poll Everywhere activity.
-More info at polleverywhere.com/support
-An economy is at its medium-run equilibrium, but running a large trade deficit. How can the government reduce the trade deficit while keeping output at $$Y_n$$?
-https://www.polleverywhere.com/multiple_choice_polls/5VJZC85jct271OoworQur?display_state=chart&amp;activity_state=closed&amp;state=closed&amp;flow=Engagement&amp;onscreen=persist</a:t>
-            </a:r>
-          </a:p>
-        </p:txBody>
-      </p:sp>
-      <p:sp>
-        <p:nvSpPr>
-          <p:cNvPr id="4" name="Slide Number Placeholder 3"/>
-          <p:cNvSpPr>
-            <a:spLocks noGrp="1"/>
-          </p:cNvSpPr>
-          <p:nvPr>
-            <p:ph type="sldNum" sz="quarter" idx="5"/>
-          </p:nvPr>
-        </p:nvSpPr>
-        <p:spPr/>
-        <p:txBody>
-          <a:bodyPr/>
-          <a:lstStyle/>
-          <a:p>
-            <a:fld id="{64A29054-221E-4755-818D-C35A08AFDBE7}" type="slidenum">
-              <a:rPr lang="en-US" smtClean="0"/>
-              <a:t>30</a:t>
-            </a:fld>
-            <a:endParaRPr lang="en-US" dirty="0"/>
-          </a:p>
-        </p:txBody>
-      </p:sp>
-      <p:sp>
-        <p:nvSpPr>
-          <p:cNvPr id="5" name="TextBox 4">
-            <a:extLst>
-              <a:ext uri="{FF2B5EF4-FFF2-40B4-BE49-F238E27FC236}">
-                <a16:creationId xmlns:a16="http://schemas.microsoft.com/office/drawing/2014/main" id="{FEAB889A-33E6-B1E1-DC65-CE6676D7570C}"/>
-              </a:ext>
-            </a:extLst>
-          </p:cNvPr>
-          <p:cNvSpPr txBox="1"/>
-          <p:nvPr/>
-        </p:nvSpPr>
-        <p:spPr>
-          <a:xfrm>
-            <a:off x="0" y="0"/>
-            <a:ext cx="3810000" cy="1270000"/>
-          </a:xfrm>
-          <a:prstGeom prst="rect">
-            <a:avLst/>
-          </a:prstGeom>
-          <a:noFill/>
-        </p:spPr>
-        <p:txBody>
-          <a:bodyPr vert="horz" rtlCol="0">
-            <a:spAutoFit/>
-          </a:bodyPr>
-          <a:lstStyle/>
-          <a:p>
-            <a:endParaRPr lang="en-US"/>
-          </a:p>
-        </p:txBody>
-      </p:sp>
-    </p:spTree>
-    <p:extLst>
-      <p:ext uri="{BB962C8B-B14F-4D97-AF65-F5344CB8AC3E}">
-        <p14:creationId xmlns:p14="http://schemas.microsoft.com/office/powerpoint/2010/main" val="261824199"/>
-      </p:ext>
-    </p:extLst>
-  </p:cSld>
-  <p:clrMapOvr>
-    <a:masterClrMapping/>
-  </p:clrMapOvr>
-</p:notes>
-</file>
-
-<file path=ppt/notesSlides/notesSlide5.xml><?xml version="1.0" encoding="utf-8"?>
-<p:notes xmlns:a="http://schemas.openxmlformats.org/drawingml/2006/main" xmlns:r="http://schemas.openxmlformats.org/officeDocument/2006/relationships" xmlns:p="http://schemas.openxmlformats.org/presentationml/2006/main">
-  <p:cSld>
-    <p:spTree>
-      <p:nvGrpSpPr>
-        <p:cNvPr id="1" name=""/>
-        <p:cNvGrpSpPr/>
-        <p:nvPr/>
-      </p:nvGrpSpPr>
-      <p:grpSpPr>
-        <a:xfrm>
-          <a:off x="0" y="0"/>
-          <a:ext cx="0" cy="0"/>
-          <a:chOff x="0" y="0"/>
-          <a:chExt cx="0" cy="0"/>
-        </a:xfrm>
-      </p:grpSpPr>
-      <p:sp>
-        <p:nvSpPr>
-          <p:cNvPr id="2" name="Slide Image Placeholder 1"/>
-          <p:cNvSpPr>
-            <a:spLocks noGrp="1" noRot="1" noChangeAspect="1"/>
-          </p:cNvSpPr>
-          <p:nvPr>
-            <p:ph type="sldImg"/>
-          </p:nvPr>
-        </p:nvSpPr>
-        <p:spPr/>
-      </p:sp>
-      <p:sp>
-        <p:nvSpPr>
-          <p:cNvPr id="3" name="Notes Placeholder 2"/>
-          <p:cNvSpPr>
-            <a:spLocks noGrp="1"/>
-          </p:cNvSpPr>
-          <p:nvPr>
-            <p:ph type="body" idx="1"/>
-          </p:nvPr>
-        </p:nvSpPr>
-        <p:spPr/>
-        <p:txBody>
-          <a:bodyPr/>
-          <a:lstStyle/>
-          <a:p>
-            <a:r>
-              <a:rPr lang="en-US"/>
-              <a:t>
-Poll Title: Do not modify the notes in this section to avoid tampering with the Poll Everywhere activity.
-More info at polleverywhere.com/support
 What is the optimal approach to take when the economy is producing above its potential output and recording a trade surplus?
 https://www.polleverywhere.com/multiple_choice_polls/slWDCZG94MAb7r3hLdkck?display_state=instructions&amp;activity_state=opened&amp;state=opened&amp;flow=Engagement&amp;onscreen=persist</a:t>
             </a:r>
@@ -1064,7 +816,7 @@
           <a:p>
             <a:fld id="{64A29054-221E-4755-818D-C35A08AFDBE7}" type="slidenum">
               <a:rPr lang="en-US" smtClean="0"/>
-              <a:t>34</a:t>
+              <a:t>32</a:t>
             </a:fld>
             <a:endParaRPr lang="en-US" dirty="0"/>
           </a:p>
@@ -1115,7 +867,7 @@
 </p:notes>
 </file>
 
-<file path=ppt/notesSlides/notesSlide6.xml><?xml version="1.0" encoding="utf-8"?>
+<file path=ppt/notesSlides/notesSlide4.xml><?xml version="1.0" encoding="utf-8"?>
 <p:notes xmlns:a="http://schemas.openxmlformats.org/drawingml/2006/main" xmlns:r="http://schemas.openxmlformats.org/officeDocument/2006/relationships" xmlns:p="http://schemas.openxmlformats.org/presentationml/2006/main">
   <p:cSld>
     <p:spTree>
@@ -1187,7 +939,7 @@
           <a:p>
             <a:fld id="{64A29054-221E-4755-818D-C35A08AFDBE7}" type="slidenum">
               <a:rPr lang="en-US" smtClean="0"/>
-              <a:t>35</a:t>
+              <a:t>33</a:t>
             </a:fld>
             <a:endParaRPr lang="en-US" dirty="0"/>
           </a:p>
@@ -5061,7 +4813,7 @@
           <a:p>
             <a:r>
               <a:rPr lang="en-US" dirty="0"/>
-              <a:t>Observations</a:t>
+              <a:t>Visualizing the Open Goods Market</a:t>
             </a:r>
           </a:p>
         </p:txBody>
@@ -32206,10 +31958,206 @@
       </p:grpSpPr>
       <p:sp>
         <p:nvSpPr>
-          <p:cNvPr id="2" name="Date Placeholder 1">
+          <p:cNvPr id="2" name="Title 1">
             <a:extLst>
               <a:ext uri="{FF2B5EF4-FFF2-40B4-BE49-F238E27FC236}">
-                <a16:creationId xmlns:a16="http://schemas.microsoft.com/office/drawing/2014/main" id="{3823FADB-4CA5-C2AE-016A-32744897E4F2}"/>
+                <a16:creationId xmlns:a16="http://schemas.microsoft.com/office/drawing/2014/main" id="{CE65A241-B45C-04F0-CF28-7DFD3D56346B}"/>
+              </a:ext>
+            </a:extLst>
+          </p:cNvPr>
+          <p:cNvSpPr>
+            <a:spLocks noGrp="1"/>
+          </p:cNvSpPr>
+          <p:nvPr>
+            <p:ph type="title"/>
+          </p:nvPr>
+        </p:nvSpPr>
+        <p:spPr/>
+        <p:txBody>
+          <a:bodyPr/>
+          <a:lstStyle/>
+          <a:p>
+            <a:r>
+              <a:rPr lang="en-US" dirty="0"/>
+              <a:t>Fiscal Policy and Exchange Rates</a:t>
+            </a:r>
+          </a:p>
+        </p:txBody>
+      </p:sp>
+      <mc:AlternateContent xmlns:mc="http://schemas.openxmlformats.org/markup-compatibility/2006" xmlns:a14="http://schemas.microsoft.com/office/drawing/2010/main">
+        <mc:Choice Requires="a14">
+          <p:sp>
+            <p:nvSpPr>
+              <p:cNvPr id="3" name="Content Placeholder 2">
+                <a:extLst>
+                  <a:ext uri="{FF2B5EF4-FFF2-40B4-BE49-F238E27FC236}">
+                    <a16:creationId xmlns:a16="http://schemas.microsoft.com/office/drawing/2014/main" id="{C46BE3FD-D149-E947-1228-E11B36CD05B2}"/>
+                  </a:ext>
+                </a:extLst>
+              </p:cNvPr>
+              <p:cNvSpPr>
+                <a:spLocks noGrp="1"/>
+              </p:cNvSpPr>
+              <p:nvPr>
+                <p:ph idx="1"/>
+              </p:nvPr>
+            </p:nvSpPr>
+            <p:spPr>
+              <a:xfrm>
+                <a:off x="628649" y="1825625"/>
+                <a:ext cx="8067482" cy="4351338"/>
+              </a:xfrm>
+            </p:spPr>
+            <p:txBody>
+              <a:bodyPr/>
+              <a:lstStyle/>
+              <a:p>
+                <a:r>
+                  <a:rPr lang="en-US" dirty="0"/>
+                  <a:t>We just discussed how a depreciation of its currency can improve the balance of trade.</a:t>
+                </a:r>
+              </a:p>
+              <a:p>
+                <a:pPr lvl="3"/>
+                <a:endParaRPr lang="en-US" dirty="0"/>
+              </a:p>
+              <a:p>
+                <a:r>
+                  <a:rPr lang="en-US" dirty="0"/>
+                  <a:t>However, this will also increase domestic output, which will exceed potential output, and lead to inflation.</a:t>
+                </a:r>
+              </a:p>
+              <a:p>
+                <a:pPr lvl="3"/>
+                <a:endParaRPr lang="en-US" dirty="0"/>
+              </a:p>
+              <a:p>
+                <a:r>
+                  <a:rPr lang="en-US" dirty="0"/>
+                  <a:t>Therefore, the government should simultaneously enact contractionary fiscal policy </a:t>
+                </a:r>
+                <a14:m>
+                  <m:oMath xmlns:m="http://schemas.openxmlformats.org/officeDocument/2006/math">
+                    <m:d>
+                      <m:dPr>
+                        <m:ctrlPr>
+                          <a:rPr lang="en-US" b="0" i="1" smtClean="0">
+                            <a:latin typeface="Cambria Math" panose="02040503050406030204" pitchFamily="18" charset="0"/>
+                          </a:rPr>
+                        </m:ctrlPr>
+                      </m:dPr>
+                      <m:e>
+                        <m:r>
+                          <a:rPr lang="en-US" b="0" i="1" smtClean="0">
+                            <a:latin typeface="Cambria Math" panose="02040503050406030204" pitchFamily="18" charset="0"/>
+                          </a:rPr>
+                          <m:t>𝐺</m:t>
+                        </m:r>
+                        <m:r>
+                          <a:rPr lang="en-US" b="0" i="1" smtClean="0">
+                            <a:latin typeface="Cambria Math" panose="02040503050406030204" pitchFamily="18" charset="0"/>
+                            <a:ea typeface="Cambria Math" panose="02040503050406030204" pitchFamily="18" charset="0"/>
+                          </a:rPr>
+                          <m:t>↓</m:t>
+                        </m:r>
+                        <m:r>
+                          <a:rPr lang="en-US" b="0" i="1" smtClean="0">
+                            <a:latin typeface="Cambria Math" panose="02040503050406030204" pitchFamily="18" charset="0"/>
+                          </a:rPr>
+                          <m:t>, </m:t>
+                        </m:r>
+                        <m:r>
+                          <a:rPr lang="en-US" b="0" i="1" smtClean="0">
+                            <a:latin typeface="Cambria Math" panose="02040503050406030204" pitchFamily="18" charset="0"/>
+                          </a:rPr>
+                          <m:t>𝑇</m:t>
+                        </m:r>
+                        <m:r>
+                          <a:rPr lang="en-US" b="0" i="1" smtClean="0">
+                            <a:latin typeface="Cambria Math" panose="02040503050406030204" pitchFamily="18" charset="0"/>
+                            <a:ea typeface="Cambria Math" panose="02040503050406030204" pitchFamily="18" charset="0"/>
+                          </a:rPr>
+                          <m:t>↑</m:t>
+                        </m:r>
+                      </m:e>
+                    </m:d>
+                  </m:oMath>
+                </a14:m>
+                <a:r>
+                  <a:rPr lang="en-US" dirty="0"/>
+                  <a:t> to counteract the expected increase in output.</a:t>
+                </a:r>
+              </a:p>
+              <a:p>
+                <a:pPr lvl="3"/>
+                <a:endParaRPr lang="en-US" dirty="0"/>
+              </a:p>
+              <a:p>
+                <a:r>
+                  <a:rPr lang="en-US" dirty="0"/>
+                  <a:t>Illustrated in a graph, we have…</a:t>
+                </a:r>
+              </a:p>
+              <a:p>
+                <a:pPr lvl="3"/>
+                <a:endParaRPr lang="en-US" dirty="0"/>
+              </a:p>
+              <a:p>
+                <a:endParaRPr lang="en-US" dirty="0"/>
+              </a:p>
+            </p:txBody>
+          </p:sp>
+        </mc:Choice>
+        <mc:Fallback xmlns="">
+          <p:sp>
+            <p:nvSpPr>
+              <p:cNvPr id="3" name="Content Placeholder 2">
+                <a:extLst>
+                  <a:ext uri="{FF2B5EF4-FFF2-40B4-BE49-F238E27FC236}">
+                    <a16:creationId xmlns:a16="http://schemas.microsoft.com/office/drawing/2014/main" id="{C46BE3FD-D149-E947-1228-E11B36CD05B2}"/>
+                  </a:ext>
+                </a:extLst>
+              </p:cNvPr>
+              <p:cNvSpPr>
+                <a:spLocks noGrp="1" noRot="1" noChangeAspect="1" noMove="1" noResize="1" noEditPoints="1" noAdjustHandles="1" noChangeArrowheads="1" noChangeShapeType="1" noTextEdit="1"/>
+              </p:cNvSpPr>
+              <p:nvPr>
+                <p:ph idx="1"/>
+              </p:nvPr>
+            </p:nvSpPr>
+            <p:spPr>
+              <a:xfrm>
+                <a:off x="628649" y="1825625"/>
+                <a:ext cx="8067482" cy="4351338"/>
+              </a:xfrm>
+              <a:blipFill>
+                <a:blip r:embed="rId2"/>
+                <a:stretch>
+                  <a:fillRect l="-982" t="-1821" r="-453"/>
+                </a:stretch>
+              </a:blipFill>
+            </p:spPr>
+            <p:txBody>
+              <a:bodyPr/>
+              <a:lstStyle/>
+              <a:p>
+                <a:r>
+                  <a:rPr lang="en-US">
+                    <a:noFill/>
+                  </a:rPr>
+                  <a:t> </a:t>
+                </a:r>
+              </a:p>
+            </p:txBody>
+          </p:sp>
+        </mc:Fallback>
+      </mc:AlternateContent>
+      <p:sp>
+        <p:nvSpPr>
+          <p:cNvPr id="4" name="Date Placeholder 3">
+            <a:extLst>
+              <a:ext uri="{FF2B5EF4-FFF2-40B4-BE49-F238E27FC236}">
+                <a16:creationId xmlns:a16="http://schemas.microsoft.com/office/drawing/2014/main" id="{97998971-1198-10FD-0DF0-CE9D44EF6F25}"/>
               </a:ext>
             </a:extLst>
           </p:cNvPr>
@@ -32235,10 +32183,10 @@
       </p:sp>
       <p:sp>
         <p:nvSpPr>
-          <p:cNvPr id="3" name="Footer Placeholder 2">
+          <p:cNvPr id="5" name="Footer Placeholder 4">
             <a:extLst>
               <a:ext uri="{FF2B5EF4-FFF2-40B4-BE49-F238E27FC236}">
-                <a16:creationId xmlns:a16="http://schemas.microsoft.com/office/drawing/2014/main" id="{28F107BA-F4D4-B888-DD2F-D7AC361AD8DD}"/>
+                <a16:creationId xmlns:a16="http://schemas.microsoft.com/office/drawing/2014/main" id="{8E1C4062-D890-8877-7ECA-F22061C26F37}"/>
               </a:ext>
             </a:extLst>
           </p:cNvPr>
@@ -32264,10 +32212,10 @@
       </p:sp>
       <p:sp>
         <p:nvSpPr>
-          <p:cNvPr id="4" name="Slide Number Placeholder 3">
+          <p:cNvPr id="6" name="Slide Number Placeholder 5">
             <a:extLst>
               <a:ext uri="{FF2B5EF4-FFF2-40B4-BE49-F238E27FC236}">
-                <a16:creationId xmlns:a16="http://schemas.microsoft.com/office/drawing/2014/main" id="{511DFB02-1327-B8FA-4B11-9634954CFCE6}"/>
+                <a16:creationId xmlns:a16="http://schemas.microsoft.com/office/drawing/2014/main" id="{26B54946-5D08-91BA-3B84-85E2A38A1F88}"/>
               </a:ext>
             </a:extLst>
           </p:cNvPr>
@@ -32291,56 +32239,293 @@
           </a:p>
         </p:txBody>
       </p:sp>
-      <p:pic>
-        <p:nvPicPr>
-          <p:cNvPr id="6" name="Picture 5">
-            <a:extLst>
-              <a:ext uri="{FF2B5EF4-FFF2-40B4-BE49-F238E27FC236}">
-                <a16:creationId xmlns:a16="http://schemas.microsoft.com/office/drawing/2014/main" id="{3A6BED64-3D49-68D4-1684-4885079F7F6B}"/>
-              </a:ext>
-            </a:extLst>
-          </p:cNvPr>
-          <p:cNvPicPr>
-            <a:picLocks/>
-          </p:cNvPicPr>
-          <p:nvPr>
-            <p:custDataLst>
-              <p:tags r:id="rId1"/>
-            </p:custDataLst>
-          </p:nvPr>
-        </p:nvPicPr>
-        <p:blipFill>
-          <a:blip r:embed="rId4">
-            <a:extLst>
-              <a:ext uri="{28A0092B-C50C-407E-A947-70E740481C1C}">
-                <a14:useLocalDpi xmlns:a14="http://schemas.microsoft.com/office/drawing/2010/main" val="0"/>
-              </a:ext>
-            </a:extLst>
-          </a:blip>
-          <a:stretch>
-            <a:fillRect/>
-          </a:stretch>
-        </p:blipFill>
-        <p:spPr>
-          <a:xfrm>
-            <a:off x="0" y="0"/>
-            <a:ext cx="9144000" cy="6858000"/>
-          </a:xfrm>
-          <a:prstGeom prst="rect">
-            <a:avLst/>
-          </a:prstGeom>
-        </p:spPr>
-      </p:pic>
     </p:spTree>
     <p:extLst>
       <p:ext uri="{BB962C8B-B14F-4D97-AF65-F5344CB8AC3E}">
-        <p14:creationId xmlns:p14="http://schemas.microsoft.com/office/powerpoint/2010/main" val="25583320"/>
+        <p14:creationId xmlns:p14="http://schemas.microsoft.com/office/powerpoint/2010/main" val="4283618364"/>
       </p:ext>
     </p:extLst>
   </p:cSld>
   <p:clrMapOvr>
     <a:masterClrMapping/>
   </p:clrMapOvr>
+  <p:timing>
+    <p:tnLst>
+      <p:par>
+        <p:cTn id="1" dur="indefinite" restart="never" nodeType="tmRoot">
+          <p:childTnLst>
+            <p:seq concurrent="1" nextAc="seek">
+              <p:cTn id="2" dur="indefinite" nodeType="mainSeq">
+                <p:childTnLst>
+                  <p:par>
+                    <p:cTn id="3" fill="hold">
+                      <p:stCondLst>
+                        <p:cond delay="indefinite"/>
+                        <p:cond evt="onBegin" delay="0">
+                          <p:tn val="2"/>
+                        </p:cond>
+                      </p:stCondLst>
+                      <p:childTnLst>
+                        <p:par>
+                          <p:cTn id="4" fill="hold">
+                            <p:stCondLst>
+                              <p:cond delay="0"/>
+                            </p:stCondLst>
+                            <p:childTnLst>
+                              <p:par>
+                                <p:cTn id="5" presetID="10" presetClass="entr" presetSubtype="0" fill="hold" nodeType="withEffect">
+                                  <p:stCondLst>
+                                    <p:cond delay="0"/>
+                                  </p:stCondLst>
+                                  <p:childTnLst>
+                                    <p:set>
+                                      <p:cBhvr>
+                                        <p:cTn id="6" dur="1" fill="hold">
+                                          <p:stCondLst>
+                                            <p:cond delay="0"/>
+                                          </p:stCondLst>
+                                        </p:cTn>
+                                        <p:tgtEl>
+                                          <p:spTgt spid="3">
+                                            <p:txEl>
+                                              <p:pRg st="0" end="0"/>
+                                            </p:txEl>
+                                          </p:spTgt>
+                                        </p:tgtEl>
+                                        <p:attrNameLst>
+                                          <p:attrName>style.visibility</p:attrName>
+                                        </p:attrNameLst>
+                                      </p:cBhvr>
+                                      <p:to>
+                                        <p:strVal val="visible"/>
+                                      </p:to>
+                                    </p:set>
+                                    <p:animEffect transition="in" filter="fade">
+                                      <p:cBhvr>
+                                        <p:cTn id="7" dur="500"/>
+                                        <p:tgtEl>
+                                          <p:spTgt spid="3">
+                                            <p:txEl>
+                                              <p:pRg st="0" end="0"/>
+                                            </p:txEl>
+                                          </p:spTgt>
+                                        </p:tgtEl>
+                                      </p:cBhvr>
+                                    </p:animEffect>
+                                  </p:childTnLst>
+                                </p:cTn>
+                              </p:par>
+                            </p:childTnLst>
+                          </p:cTn>
+                        </p:par>
+                      </p:childTnLst>
+                    </p:cTn>
+                  </p:par>
+                  <p:par>
+                    <p:cTn id="8" fill="hold">
+                      <p:stCondLst>
+                        <p:cond delay="indefinite"/>
+                      </p:stCondLst>
+                      <p:childTnLst>
+                        <p:par>
+                          <p:cTn id="9" fill="hold">
+                            <p:stCondLst>
+                              <p:cond delay="0"/>
+                            </p:stCondLst>
+                            <p:childTnLst>
+                              <p:par>
+                                <p:cTn id="10" presetID="10" presetClass="entr" presetSubtype="0" fill="hold" nodeType="clickEffect">
+                                  <p:stCondLst>
+                                    <p:cond delay="0"/>
+                                  </p:stCondLst>
+                                  <p:childTnLst>
+                                    <p:set>
+                                      <p:cBhvr>
+                                        <p:cTn id="11" dur="1" fill="hold">
+                                          <p:stCondLst>
+                                            <p:cond delay="0"/>
+                                          </p:stCondLst>
+                                        </p:cTn>
+                                        <p:tgtEl>
+                                          <p:spTgt spid="3">
+                                            <p:txEl>
+                                              <p:pRg st="2" end="2"/>
+                                            </p:txEl>
+                                          </p:spTgt>
+                                        </p:tgtEl>
+                                        <p:attrNameLst>
+                                          <p:attrName>style.visibility</p:attrName>
+                                        </p:attrNameLst>
+                                      </p:cBhvr>
+                                      <p:to>
+                                        <p:strVal val="visible"/>
+                                      </p:to>
+                                    </p:set>
+                                    <p:animEffect transition="in" filter="fade">
+                                      <p:cBhvr>
+                                        <p:cTn id="12" dur="500"/>
+                                        <p:tgtEl>
+                                          <p:spTgt spid="3">
+                                            <p:txEl>
+                                              <p:pRg st="2" end="2"/>
+                                            </p:txEl>
+                                          </p:spTgt>
+                                        </p:tgtEl>
+                                      </p:cBhvr>
+                                    </p:animEffect>
+                                  </p:childTnLst>
+                                </p:cTn>
+                              </p:par>
+                            </p:childTnLst>
+                          </p:cTn>
+                        </p:par>
+                      </p:childTnLst>
+                    </p:cTn>
+                  </p:par>
+                  <p:par>
+                    <p:cTn id="13" fill="hold">
+                      <p:stCondLst>
+                        <p:cond delay="indefinite"/>
+                      </p:stCondLst>
+                      <p:childTnLst>
+                        <p:par>
+                          <p:cTn id="14" fill="hold">
+                            <p:stCondLst>
+                              <p:cond delay="0"/>
+                            </p:stCondLst>
+                            <p:childTnLst>
+                              <p:par>
+                                <p:cTn id="15" presetID="10" presetClass="entr" presetSubtype="0" fill="hold" nodeType="clickEffect">
+                                  <p:stCondLst>
+                                    <p:cond delay="0"/>
+                                  </p:stCondLst>
+                                  <p:childTnLst>
+                                    <p:set>
+                                      <p:cBhvr>
+                                        <p:cTn id="16" dur="1" fill="hold">
+                                          <p:stCondLst>
+                                            <p:cond delay="0"/>
+                                          </p:stCondLst>
+                                        </p:cTn>
+                                        <p:tgtEl>
+                                          <p:spTgt spid="3">
+                                            <p:txEl>
+                                              <p:pRg st="4" end="4"/>
+                                            </p:txEl>
+                                          </p:spTgt>
+                                        </p:tgtEl>
+                                        <p:attrNameLst>
+                                          <p:attrName>style.visibility</p:attrName>
+                                        </p:attrNameLst>
+                                      </p:cBhvr>
+                                      <p:to>
+                                        <p:strVal val="visible"/>
+                                      </p:to>
+                                    </p:set>
+                                    <p:animEffect transition="in" filter="fade">
+                                      <p:cBhvr>
+                                        <p:cTn id="17" dur="500"/>
+                                        <p:tgtEl>
+                                          <p:spTgt spid="3">
+                                            <p:txEl>
+                                              <p:pRg st="4" end="4"/>
+                                            </p:txEl>
+                                          </p:spTgt>
+                                        </p:tgtEl>
+                                      </p:cBhvr>
+                                    </p:animEffect>
+                                  </p:childTnLst>
+                                </p:cTn>
+                              </p:par>
+                            </p:childTnLst>
+                          </p:cTn>
+                        </p:par>
+                      </p:childTnLst>
+                    </p:cTn>
+                  </p:par>
+                  <p:par>
+                    <p:cTn id="18" fill="hold">
+                      <p:stCondLst>
+                        <p:cond delay="indefinite"/>
+                      </p:stCondLst>
+                      <p:childTnLst>
+                        <p:par>
+                          <p:cTn id="19" fill="hold">
+                            <p:stCondLst>
+                              <p:cond delay="0"/>
+                            </p:stCondLst>
+                            <p:childTnLst>
+                              <p:par>
+                                <p:cTn id="20" presetID="10" presetClass="entr" presetSubtype="0" fill="hold" nodeType="clickEffect">
+                                  <p:stCondLst>
+                                    <p:cond delay="0"/>
+                                  </p:stCondLst>
+                                  <p:childTnLst>
+                                    <p:set>
+                                      <p:cBhvr>
+                                        <p:cTn id="21" dur="1" fill="hold">
+                                          <p:stCondLst>
+                                            <p:cond delay="0"/>
+                                          </p:stCondLst>
+                                        </p:cTn>
+                                        <p:tgtEl>
+                                          <p:spTgt spid="3">
+                                            <p:txEl>
+                                              <p:pRg st="6" end="6"/>
+                                            </p:txEl>
+                                          </p:spTgt>
+                                        </p:tgtEl>
+                                        <p:attrNameLst>
+                                          <p:attrName>style.visibility</p:attrName>
+                                        </p:attrNameLst>
+                                      </p:cBhvr>
+                                      <p:to>
+                                        <p:strVal val="visible"/>
+                                      </p:to>
+                                    </p:set>
+                                    <p:animEffect transition="in" filter="fade">
+                                      <p:cBhvr>
+                                        <p:cTn id="22" dur="500"/>
+                                        <p:tgtEl>
+                                          <p:spTgt spid="3">
+                                            <p:txEl>
+                                              <p:pRg st="6" end="6"/>
+                                            </p:txEl>
+                                          </p:spTgt>
+                                        </p:tgtEl>
+                                      </p:cBhvr>
+                                    </p:animEffect>
+                                  </p:childTnLst>
+                                </p:cTn>
+                              </p:par>
+                            </p:childTnLst>
+                          </p:cTn>
+                        </p:par>
+                      </p:childTnLst>
+                    </p:cTn>
+                  </p:par>
+                </p:childTnLst>
+              </p:cTn>
+              <p:prevCondLst>
+                <p:cond evt="onPrev" delay="0">
+                  <p:tgtEl>
+                    <p:sldTgt/>
+                  </p:tgtEl>
+                </p:cond>
+              </p:prevCondLst>
+              <p:nextCondLst>
+                <p:cond evt="onNext" delay="0">
+                  <p:tgtEl>
+                    <p:sldTgt/>
+                  </p:tgtEl>
+                </p:cond>
+              </p:nextCondLst>
+            </p:seq>
+          </p:childTnLst>
+        </p:cTn>
+      </p:par>
+    </p:tnLst>
+  </p:timing>
 </p:sld>
 </file>
 
@@ -33194,753 +33379,6 @@
       </p:grpSpPr>
       <p:sp>
         <p:nvSpPr>
-          <p:cNvPr id="2" name="Date Placeholder 1">
-            <a:extLst>
-              <a:ext uri="{FF2B5EF4-FFF2-40B4-BE49-F238E27FC236}">
-                <a16:creationId xmlns:a16="http://schemas.microsoft.com/office/drawing/2014/main" id="{F5182CE3-ECFB-8880-3A4F-42D367EE0165}"/>
-              </a:ext>
-            </a:extLst>
-          </p:cNvPr>
-          <p:cNvSpPr>
-            <a:spLocks noGrp="1"/>
-          </p:cNvSpPr>
-          <p:nvPr>
-            <p:ph type="dt" sz="half" idx="10"/>
-          </p:nvPr>
-        </p:nvSpPr>
-        <p:spPr/>
-        <p:txBody>
-          <a:bodyPr/>
-          <a:lstStyle/>
-          <a:p>
-            <a:r>
-              <a:rPr lang="en-US"/>
-              <a:t>Spring 2024</a:t>
-            </a:r>
-            <a:endParaRPr lang="en-US" dirty="0"/>
-          </a:p>
-        </p:txBody>
-      </p:sp>
-      <p:sp>
-        <p:nvSpPr>
-          <p:cNvPr id="3" name="Footer Placeholder 2">
-            <a:extLst>
-              <a:ext uri="{FF2B5EF4-FFF2-40B4-BE49-F238E27FC236}">
-                <a16:creationId xmlns:a16="http://schemas.microsoft.com/office/drawing/2014/main" id="{945A1B67-E9B0-9C7F-9555-B82717764EE0}"/>
-              </a:ext>
-            </a:extLst>
-          </p:cNvPr>
-          <p:cNvSpPr>
-            <a:spLocks noGrp="1"/>
-          </p:cNvSpPr>
-          <p:nvPr>
-            <p:ph type="ftr" sz="quarter" idx="11"/>
-          </p:nvPr>
-        </p:nvSpPr>
-        <p:spPr/>
-        <p:txBody>
-          <a:bodyPr/>
-          <a:lstStyle/>
-          <a:p>
-            <a:r>
-              <a:rPr lang="en-US"/>
-              <a:t>DEPARTMENT OF BUSINESS &amp; ECONOMICS</a:t>
-            </a:r>
-            <a:endParaRPr lang="en-US" dirty="0"/>
-          </a:p>
-        </p:txBody>
-      </p:sp>
-      <p:sp>
-        <p:nvSpPr>
-          <p:cNvPr id="4" name="Slide Number Placeholder 3">
-            <a:extLst>
-              <a:ext uri="{FF2B5EF4-FFF2-40B4-BE49-F238E27FC236}">
-                <a16:creationId xmlns:a16="http://schemas.microsoft.com/office/drawing/2014/main" id="{A2ADE34E-41C8-229A-D4A5-349E8C7E64B4}"/>
-              </a:ext>
-            </a:extLst>
-          </p:cNvPr>
-          <p:cNvSpPr>
-            <a:spLocks noGrp="1"/>
-          </p:cNvSpPr>
-          <p:nvPr>
-            <p:ph type="sldNum" sz="quarter" idx="12"/>
-          </p:nvPr>
-        </p:nvSpPr>
-        <p:spPr/>
-        <p:txBody>
-          <a:bodyPr/>
-          <a:lstStyle/>
-          <a:p>
-            <a:fld id="{1A980C56-831A-4EAB-9EDE-57C090F4F877}" type="slidenum">
-              <a:rPr lang="en-US" smtClean="0"/>
-              <a:t>30</a:t>
-            </a:fld>
-            <a:endParaRPr lang="en-US" dirty="0"/>
-          </a:p>
-        </p:txBody>
-      </p:sp>
-      <p:pic>
-        <p:nvPicPr>
-          <p:cNvPr id="6" name="Picture 5">
-            <a:extLst>
-              <a:ext uri="{FF2B5EF4-FFF2-40B4-BE49-F238E27FC236}">
-                <a16:creationId xmlns:a16="http://schemas.microsoft.com/office/drawing/2014/main" id="{B62B9C70-F75A-A48B-C38C-2F01FCAA18D6}"/>
-              </a:ext>
-            </a:extLst>
-          </p:cNvPr>
-          <p:cNvPicPr>
-            <a:picLocks/>
-          </p:cNvPicPr>
-          <p:nvPr>
-            <p:custDataLst>
-              <p:tags r:id="rId1"/>
-            </p:custDataLst>
-          </p:nvPr>
-        </p:nvPicPr>
-        <p:blipFill>
-          <a:blip r:embed="rId4">
-            <a:extLst>
-              <a:ext uri="{28A0092B-C50C-407E-A947-70E740481C1C}">
-                <a14:useLocalDpi xmlns:a14="http://schemas.microsoft.com/office/drawing/2010/main" val="0"/>
-              </a:ext>
-            </a:extLst>
-          </a:blip>
-          <a:stretch>
-            <a:fillRect/>
-          </a:stretch>
-        </p:blipFill>
-        <p:spPr>
-          <a:xfrm>
-            <a:off x="0" y="0"/>
-            <a:ext cx="9144000" cy="6858000"/>
-          </a:xfrm>
-          <a:prstGeom prst="rect">
-            <a:avLst/>
-          </a:prstGeom>
-        </p:spPr>
-      </p:pic>
-    </p:spTree>
-    <p:extLst>
-      <p:ext uri="{BB962C8B-B14F-4D97-AF65-F5344CB8AC3E}">
-        <p14:creationId xmlns:p14="http://schemas.microsoft.com/office/powerpoint/2010/main" val="3079992301"/>
-      </p:ext>
-    </p:extLst>
-  </p:cSld>
-  <p:clrMapOvr>
-    <a:masterClrMapping/>
-  </p:clrMapOvr>
-</p:sld>
-</file>
-
-<file path=ppt/slides/slide31.xml><?xml version="1.0" encoding="utf-8"?>
-<p:sld xmlns:a="http://schemas.openxmlformats.org/drawingml/2006/main" xmlns:r="http://schemas.openxmlformats.org/officeDocument/2006/relationships" xmlns:p="http://schemas.openxmlformats.org/presentationml/2006/main">
-  <p:cSld>
-    <p:spTree>
-      <p:nvGrpSpPr>
-        <p:cNvPr id="1" name=""/>
-        <p:cNvGrpSpPr/>
-        <p:nvPr/>
-      </p:nvGrpSpPr>
-      <p:grpSpPr>
-        <a:xfrm>
-          <a:off x="0" y="0"/>
-          <a:ext cx="0" cy="0"/>
-          <a:chOff x="0" y="0"/>
-          <a:chExt cx="0" cy="0"/>
-        </a:xfrm>
-      </p:grpSpPr>
-      <p:sp>
-        <p:nvSpPr>
-          <p:cNvPr id="2" name="Title 1">
-            <a:extLst>
-              <a:ext uri="{FF2B5EF4-FFF2-40B4-BE49-F238E27FC236}">
-                <a16:creationId xmlns:a16="http://schemas.microsoft.com/office/drawing/2014/main" id="{CE65A241-B45C-04F0-CF28-7DFD3D56346B}"/>
-              </a:ext>
-            </a:extLst>
-          </p:cNvPr>
-          <p:cNvSpPr>
-            <a:spLocks noGrp="1"/>
-          </p:cNvSpPr>
-          <p:nvPr>
-            <p:ph type="title"/>
-          </p:nvPr>
-        </p:nvSpPr>
-        <p:spPr/>
-        <p:txBody>
-          <a:bodyPr/>
-          <a:lstStyle/>
-          <a:p>
-            <a:r>
-              <a:rPr lang="en-US" dirty="0"/>
-              <a:t>Fiscal Policy and Exchange Rates</a:t>
-            </a:r>
-          </a:p>
-        </p:txBody>
-      </p:sp>
-      <mc:AlternateContent xmlns:mc="http://schemas.openxmlformats.org/markup-compatibility/2006" xmlns:a14="http://schemas.microsoft.com/office/drawing/2010/main">
-        <mc:Choice Requires="a14">
-          <p:sp>
-            <p:nvSpPr>
-              <p:cNvPr id="3" name="Content Placeholder 2">
-                <a:extLst>
-                  <a:ext uri="{FF2B5EF4-FFF2-40B4-BE49-F238E27FC236}">
-                    <a16:creationId xmlns:a16="http://schemas.microsoft.com/office/drawing/2014/main" id="{C46BE3FD-D149-E947-1228-E11B36CD05B2}"/>
-                  </a:ext>
-                </a:extLst>
-              </p:cNvPr>
-              <p:cNvSpPr>
-                <a:spLocks noGrp="1"/>
-              </p:cNvSpPr>
-              <p:nvPr>
-                <p:ph idx="1"/>
-              </p:nvPr>
-            </p:nvSpPr>
-            <p:spPr>
-              <a:xfrm>
-                <a:off x="628649" y="1825625"/>
-                <a:ext cx="8067482" cy="4351338"/>
-              </a:xfrm>
-            </p:spPr>
-            <p:txBody>
-              <a:bodyPr/>
-              <a:lstStyle/>
-              <a:p>
-                <a:r>
-                  <a:rPr lang="en-US" dirty="0"/>
-                  <a:t>We just discussed how a depreciation of its currency can improve the balance of trade.</a:t>
-                </a:r>
-              </a:p>
-              <a:p>
-                <a:pPr lvl="3"/>
-                <a:endParaRPr lang="en-US" dirty="0"/>
-              </a:p>
-              <a:p>
-                <a:r>
-                  <a:rPr lang="en-US" dirty="0"/>
-                  <a:t>However, this will also increase domestic output, which will exceed potential output, and lead to inflation.</a:t>
-                </a:r>
-              </a:p>
-              <a:p>
-                <a:pPr lvl="3"/>
-                <a:endParaRPr lang="en-US" dirty="0"/>
-              </a:p>
-              <a:p>
-                <a:r>
-                  <a:rPr lang="en-US" dirty="0"/>
-                  <a:t>Therefore, the government should simultaneously enact contractionary fiscal policy </a:t>
-                </a:r>
-                <a14:m>
-                  <m:oMath xmlns:m="http://schemas.openxmlformats.org/officeDocument/2006/math">
-                    <m:d>
-                      <m:dPr>
-                        <m:ctrlPr>
-                          <a:rPr lang="en-US" b="0" i="1" smtClean="0">
-                            <a:latin typeface="Cambria Math" panose="02040503050406030204" pitchFamily="18" charset="0"/>
-                          </a:rPr>
-                        </m:ctrlPr>
-                      </m:dPr>
-                      <m:e>
-                        <m:r>
-                          <a:rPr lang="en-US" b="0" i="1" smtClean="0">
-                            <a:latin typeface="Cambria Math" panose="02040503050406030204" pitchFamily="18" charset="0"/>
-                          </a:rPr>
-                          <m:t>𝐺</m:t>
-                        </m:r>
-                        <m:r>
-                          <a:rPr lang="en-US" b="0" i="1" smtClean="0">
-                            <a:latin typeface="Cambria Math" panose="02040503050406030204" pitchFamily="18" charset="0"/>
-                            <a:ea typeface="Cambria Math" panose="02040503050406030204" pitchFamily="18" charset="0"/>
-                          </a:rPr>
-                          <m:t>↓</m:t>
-                        </m:r>
-                        <m:r>
-                          <a:rPr lang="en-US" b="0" i="1" smtClean="0">
-                            <a:latin typeface="Cambria Math" panose="02040503050406030204" pitchFamily="18" charset="0"/>
-                          </a:rPr>
-                          <m:t>, </m:t>
-                        </m:r>
-                        <m:r>
-                          <a:rPr lang="en-US" b="0" i="1" smtClean="0">
-                            <a:latin typeface="Cambria Math" panose="02040503050406030204" pitchFamily="18" charset="0"/>
-                          </a:rPr>
-                          <m:t>𝑇</m:t>
-                        </m:r>
-                        <m:r>
-                          <a:rPr lang="en-US" b="0" i="1" smtClean="0">
-                            <a:latin typeface="Cambria Math" panose="02040503050406030204" pitchFamily="18" charset="0"/>
-                            <a:ea typeface="Cambria Math" panose="02040503050406030204" pitchFamily="18" charset="0"/>
-                          </a:rPr>
-                          <m:t>↑</m:t>
-                        </m:r>
-                      </m:e>
-                    </m:d>
-                  </m:oMath>
-                </a14:m>
-                <a:r>
-                  <a:rPr lang="en-US" dirty="0"/>
-                  <a:t> to counteract the expected increase in output.</a:t>
-                </a:r>
-              </a:p>
-              <a:p>
-                <a:pPr lvl="3"/>
-                <a:endParaRPr lang="en-US" dirty="0"/>
-              </a:p>
-              <a:p>
-                <a:r>
-                  <a:rPr lang="en-US" dirty="0"/>
-                  <a:t>Illustrated in a graph, we have…</a:t>
-                </a:r>
-              </a:p>
-              <a:p>
-                <a:pPr lvl="3"/>
-                <a:endParaRPr lang="en-US" dirty="0"/>
-              </a:p>
-              <a:p>
-                <a:endParaRPr lang="en-US" dirty="0"/>
-              </a:p>
-            </p:txBody>
-          </p:sp>
-        </mc:Choice>
-        <mc:Fallback xmlns="">
-          <p:sp>
-            <p:nvSpPr>
-              <p:cNvPr id="3" name="Content Placeholder 2">
-                <a:extLst>
-                  <a:ext uri="{FF2B5EF4-FFF2-40B4-BE49-F238E27FC236}">
-                    <a16:creationId xmlns:a16="http://schemas.microsoft.com/office/drawing/2014/main" id="{C46BE3FD-D149-E947-1228-E11B36CD05B2}"/>
-                  </a:ext>
-                </a:extLst>
-              </p:cNvPr>
-              <p:cNvSpPr>
-                <a:spLocks noGrp="1" noRot="1" noChangeAspect="1" noMove="1" noResize="1" noEditPoints="1" noAdjustHandles="1" noChangeArrowheads="1" noChangeShapeType="1" noTextEdit="1"/>
-              </p:cNvSpPr>
-              <p:nvPr>
-                <p:ph idx="1"/>
-              </p:nvPr>
-            </p:nvSpPr>
-            <p:spPr>
-              <a:xfrm>
-                <a:off x="628649" y="1825625"/>
-                <a:ext cx="8067482" cy="4351338"/>
-              </a:xfrm>
-              <a:blipFill>
-                <a:blip r:embed="rId2"/>
-                <a:stretch>
-                  <a:fillRect l="-982" t="-1821" r="-453"/>
-                </a:stretch>
-              </a:blipFill>
-            </p:spPr>
-            <p:txBody>
-              <a:bodyPr/>
-              <a:lstStyle/>
-              <a:p>
-                <a:r>
-                  <a:rPr lang="en-US">
-                    <a:noFill/>
-                  </a:rPr>
-                  <a:t> </a:t>
-                </a:r>
-              </a:p>
-            </p:txBody>
-          </p:sp>
-        </mc:Fallback>
-      </mc:AlternateContent>
-      <p:sp>
-        <p:nvSpPr>
-          <p:cNvPr id="4" name="Date Placeholder 3">
-            <a:extLst>
-              <a:ext uri="{FF2B5EF4-FFF2-40B4-BE49-F238E27FC236}">
-                <a16:creationId xmlns:a16="http://schemas.microsoft.com/office/drawing/2014/main" id="{97998971-1198-10FD-0DF0-CE9D44EF6F25}"/>
-              </a:ext>
-            </a:extLst>
-          </p:cNvPr>
-          <p:cNvSpPr>
-            <a:spLocks noGrp="1"/>
-          </p:cNvSpPr>
-          <p:nvPr>
-            <p:ph type="dt" sz="half" idx="10"/>
-          </p:nvPr>
-        </p:nvSpPr>
-        <p:spPr/>
-        <p:txBody>
-          <a:bodyPr/>
-          <a:lstStyle/>
-          <a:p>
-            <a:r>
-              <a:rPr lang="en-US"/>
-              <a:t>Spring 2024</a:t>
-            </a:r>
-            <a:endParaRPr lang="en-US" dirty="0"/>
-          </a:p>
-        </p:txBody>
-      </p:sp>
-      <p:sp>
-        <p:nvSpPr>
-          <p:cNvPr id="5" name="Footer Placeholder 4">
-            <a:extLst>
-              <a:ext uri="{FF2B5EF4-FFF2-40B4-BE49-F238E27FC236}">
-                <a16:creationId xmlns:a16="http://schemas.microsoft.com/office/drawing/2014/main" id="{8E1C4062-D890-8877-7ECA-F22061C26F37}"/>
-              </a:ext>
-            </a:extLst>
-          </p:cNvPr>
-          <p:cNvSpPr>
-            <a:spLocks noGrp="1"/>
-          </p:cNvSpPr>
-          <p:nvPr>
-            <p:ph type="ftr" sz="quarter" idx="11"/>
-          </p:nvPr>
-        </p:nvSpPr>
-        <p:spPr/>
-        <p:txBody>
-          <a:bodyPr/>
-          <a:lstStyle/>
-          <a:p>
-            <a:r>
-              <a:rPr lang="en-US"/>
-              <a:t>DEPARTMENT OF BUSINESS &amp; ECONOMICS</a:t>
-            </a:r>
-            <a:endParaRPr lang="en-US" dirty="0"/>
-          </a:p>
-        </p:txBody>
-      </p:sp>
-      <p:sp>
-        <p:nvSpPr>
-          <p:cNvPr id="6" name="Slide Number Placeholder 5">
-            <a:extLst>
-              <a:ext uri="{FF2B5EF4-FFF2-40B4-BE49-F238E27FC236}">
-                <a16:creationId xmlns:a16="http://schemas.microsoft.com/office/drawing/2014/main" id="{26B54946-5D08-91BA-3B84-85E2A38A1F88}"/>
-              </a:ext>
-            </a:extLst>
-          </p:cNvPr>
-          <p:cNvSpPr>
-            <a:spLocks noGrp="1"/>
-          </p:cNvSpPr>
-          <p:nvPr>
-            <p:ph type="sldNum" sz="quarter" idx="12"/>
-          </p:nvPr>
-        </p:nvSpPr>
-        <p:spPr/>
-        <p:txBody>
-          <a:bodyPr/>
-          <a:lstStyle/>
-          <a:p>
-            <a:fld id="{1A980C56-831A-4EAB-9EDE-57C090F4F877}" type="slidenum">
-              <a:rPr lang="en-US" smtClean="0"/>
-              <a:t>31</a:t>
-            </a:fld>
-            <a:endParaRPr lang="en-US" dirty="0"/>
-          </a:p>
-        </p:txBody>
-      </p:sp>
-    </p:spTree>
-    <p:extLst>
-      <p:ext uri="{BB962C8B-B14F-4D97-AF65-F5344CB8AC3E}">
-        <p14:creationId xmlns:p14="http://schemas.microsoft.com/office/powerpoint/2010/main" val="4283618364"/>
-      </p:ext>
-    </p:extLst>
-  </p:cSld>
-  <p:clrMapOvr>
-    <a:masterClrMapping/>
-  </p:clrMapOvr>
-  <p:timing>
-    <p:tnLst>
-      <p:par>
-        <p:cTn id="1" dur="indefinite" restart="never" nodeType="tmRoot">
-          <p:childTnLst>
-            <p:seq concurrent="1" nextAc="seek">
-              <p:cTn id="2" dur="indefinite" nodeType="mainSeq">
-                <p:childTnLst>
-                  <p:par>
-                    <p:cTn id="3" fill="hold">
-                      <p:stCondLst>
-                        <p:cond delay="indefinite"/>
-                        <p:cond evt="onBegin" delay="0">
-                          <p:tn val="2"/>
-                        </p:cond>
-                      </p:stCondLst>
-                      <p:childTnLst>
-                        <p:par>
-                          <p:cTn id="4" fill="hold">
-                            <p:stCondLst>
-                              <p:cond delay="0"/>
-                            </p:stCondLst>
-                            <p:childTnLst>
-                              <p:par>
-                                <p:cTn id="5" presetID="10" presetClass="entr" presetSubtype="0" fill="hold" nodeType="withEffect">
-                                  <p:stCondLst>
-                                    <p:cond delay="0"/>
-                                  </p:stCondLst>
-                                  <p:childTnLst>
-                                    <p:set>
-                                      <p:cBhvr>
-                                        <p:cTn id="6" dur="1" fill="hold">
-                                          <p:stCondLst>
-                                            <p:cond delay="0"/>
-                                          </p:stCondLst>
-                                        </p:cTn>
-                                        <p:tgtEl>
-                                          <p:spTgt spid="3">
-                                            <p:txEl>
-                                              <p:pRg st="0" end="0"/>
-                                            </p:txEl>
-                                          </p:spTgt>
-                                        </p:tgtEl>
-                                        <p:attrNameLst>
-                                          <p:attrName>style.visibility</p:attrName>
-                                        </p:attrNameLst>
-                                      </p:cBhvr>
-                                      <p:to>
-                                        <p:strVal val="visible"/>
-                                      </p:to>
-                                    </p:set>
-                                    <p:animEffect transition="in" filter="fade">
-                                      <p:cBhvr>
-                                        <p:cTn id="7" dur="500"/>
-                                        <p:tgtEl>
-                                          <p:spTgt spid="3">
-                                            <p:txEl>
-                                              <p:pRg st="0" end="0"/>
-                                            </p:txEl>
-                                          </p:spTgt>
-                                        </p:tgtEl>
-                                      </p:cBhvr>
-                                    </p:animEffect>
-                                  </p:childTnLst>
-                                </p:cTn>
-                              </p:par>
-                            </p:childTnLst>
-                          </p:cTn>
-                        </p:par>
-                      </p:childTnLst>
-                    </p:cTn>
-                  </p:par>
-                  <p:par>
-                    <p:cTn id="8" fill="hold">
-                      <p:stCondLst>
-                        <p:cond delay="indefinite"/>
-                      </p:stCondLst>
-                      <p:childTnLst>
-                        <p:par>
-                          <p:cTn id="9" fill="hold">
-                            <p:stCondLst>
-                              <p:cond delay="0"/>
-                            </p:stCondLst>
-                            <p:childTnLst>
-                              <p:par>
-                                <p:cTn id="10" presetID="10" presetClass="entr" presetSubtype="0" fill="hold" nodeType="clickEffect">
-                                  <p:stCondLst>
-                                    <p:cond delay="0"/>
-                                  </p:stCondLst>
-                                  <p:childTnLst>
-                                    <p:set>
-                                      <p:cBhvr>
-                                        <p:cTn id="11" dur="1" fill="hold">
-                                          <p:stCondLst>
-                                            <p:cond delay="0"/>
-                                          </p:stCondLst>
-                                        </p:cTn>
-                                        <p:tgtEl>
-                                          <p:spTgt spid="3">
-                                            <p:txEl>
-                                              <p:pRg st="2" end="2"/>
-                                            </p:txEl>
-                                          </p:spTgt>
-                                        </p:tgtEl>
-                                        <p:attrNameLst>
-                                          <p:attrName>style.visibility</p:attrName>
-                                        </p:attrNameLst>
-                                      </p:cBhvr>
-                                      <p:to>
-                                        <p:strVal val="visible"/>
-                                      </p:to>
-                                    </p:set>
-                                    <p:animEffect transition="in" filter="fade">
-                                      <p:cBhvr>
-                                        <p:cTn id="12" dur="500"/>
-                                        <p:tgtEl>
-                                          <p:spTgt spid="3">
-                                            <p:txEl>
-                                              <p:pRg st="2" end="2"/>
-                                            </p:txEl>
-                                          </p:spTgt>
-                                        </p:tgtEl>
-                                      </p:cBhvr>
-                                    </p:animEffect>
-                                  </p:childTnLst>
-                                </p:cTn>
-                              </p:par>
-                            </p:childTnLst>
-                          </p:cTn>
-                        </p:par>
-                      </p:childTnLst>
-                    </p:cTn>
-                  </p:par>
-                  <p:par>
-                    <p:cTn id="13" fill="hold">
-                      <p:stCondLst>
-                        <p:cond delay="indefinite"/>
-                      </p:stCondLst>
-                      <p:childTnLst>
-                        <p:par>
-                          <p:cTn id="14" fill="hold">
-                            <p:stCondLst>
-                              <p:cond delay="0"/>
-                            </p:stCondLst>
-                            <p:childTnLst>
-                              <p:par>
-                                <p:cTn id="15" presetID="10" presetClass="entr" presetSubtype="0" fill="hold" nodeType="clickEffect">
-                                  <p:stCondLst>
-                                    <p:cond delay="0"/>
-                                  </p:stCondLst>
-                                  <p:childTnLst>
-                                    <p:set>
-                                      <p:cBhvr>
-                                        <p:cTn id="16" dur="1" fill="hold">
-                                          <p:stCondLst>
-                                            <p:cond delay="0"/>
-                                          </p:stCondLst>
-                                        </p:cTn>
-                                        <p:tgtEl>
-                                          <p:spTgt spid="3">
-                                            <p:txEl>
-                                              <p:pRg st="4" end="4"/>
-                                            </p:txEl>
-                                          </p:spTgt>
-                                        </p:tgtEl>
-                                        <p:attrNameLst>
-                                          <p:attrName>style.visibility</p:attrName>
-                                        </p:attrNameLst>
-                                      </p:cBhvr>
-                                      <p:to>
-                                        <p:strVal val="visible"/>
-                                      </p:to>
-                                    </p:set>
-                                    <p:animEffect transition="in" filter="fade">
-                                      <p:cBhvr>
-                                        <p:cTn id="17" dur="500"/>
-                                        <p:tgtEl>
-                                          <p:spTgt spid="3">
-                                            <p:txEl>
-                                              <p:pRg st="4" end="4"/>
-                                            </p:txEl>
-                                          </p:spTgt>
-                                        </p:tgtEl>
-                                      </p:cBhvr>
-                                    </p:animEffect>
-                                  </p:childTnLst>
-                                </p:cTn>
-                              </p:par>
-                            </p:childTnLst>
-                          </p:cTn>
-                        </p:par>
-                      </p:childTnLst>
-                    </p:cTn>
-                  </p:par>
-                  <p:par>
-                    <p:cTn id="18" fill="hold">
-                      <p:stCondLst>
-                        <p:cond delay="indefinite"/>
-                      </p:stCondLst>
-                      <p:childTnLst>
-                        <p:par>
-                          <p:cTn id="19" fill="hold">
-                            <p:stCondLst>
-                              <p:cond delay="0"/>
-                            </p:stCondLst>
-                            <p:childTnLst>
-                              <p:par>
-                                <p:cTn id="20" presetID="10" presetClass="entr" presetSubtype="0" fill="hold" nodeType="clickEffect">
-                                  <p:stCondLst>
-                                    <p:cond delay="0"/>
-                                  </p:stCondLst>
-                                  <p:childTnLst>
-                                    <p:set>
-                                      <p:cBhvr>
-                                        <p:cTn id="21" dur="1" fill="hold">
-                                          <p:stCondLst>
-                                            <p:cond delay="0"/>
-                                          </p:stCondLst>
-                                        </p:cTn>
-                                        <p:tgtEl>
-                                          <p:spTgt spid="3">
-                                            <p:txEl>
-                                              <p:pRg st="6" end="6"/>
-                                            </p:txEl>
-                                          </p:spTgt>
-                                        </p:tgtEl>
-                                        <p:attrNameLst>
-                                          <p:attrName>style.visibility</p:attrName>
-                                        </p:attrNameLst>
-                                      </p:cBhvr>
-                                      <p:to>
-                                        <p:strVal val="visible"/>
-                                      </p:to>
-                                    </p:set>
-                                    <p:animEffect transition="in" filter="fade">
-                                      <p:cBhvr>
-                                        <p:cTn id="22" dur="500"/>
-                                        <p:tgtEl>
-                                          <p:spTgt spid="3">
-                                            <p:txEl>
-                                              <p:pRg st="6" end="6"/>
-                                            </p:txEl>
-                                          </p:spTgt>
-                                        </p:tgtEl>
-                                      </p:cBhvr>
-                                    </p:animEffect>
-                                  </p:childTnLst>
-                                </p:cTn>
-                              </p:par>
-                            </p:childTnLst>
-                          </p:cTn>
-                        </p:par>
-                      </p:childTnLst>
-                    </p:cTn>
-                  </p:par>
-                </p:childTnLst>
-              </p:cTn>
-              <p:prevCondLst>
-                <p:cond evt="onPrev" delay="0">
-                  <p:tgtEl>
-                    <p:sldTgt/>
-                  </p:tgtEl>
-                </p:cond>
-              </p:prevCondLst>
-              <p:nextCondLst>
-                <p:cond evt="onNext" delay="0">
-                  <p:tgtEl>
-                    <p:sldTgt/>
-                  </p:tgtEl>
-                </p:cond>
-              </p:nextCondLst>
-            </p:seq>
-          </p:childTnLst>
-        </p:cTn>
-      </p:par>
-    </p:tnLst>
-  </p:timing>
-</p:sld>
-</file>
-
-<file path=ppt/slides/slide32.xml><?xml version="1.0" encoding="utf-8"?>
-<p:sld xmlns:a="http://schemas.openxmlformats.org/drawingml/2006/main" xmlns:r="http://schemas.openxmlformats.org/officeDocument/2006/relationships" xmlns:p="http://schemas.openxmlformats.org/presentationml/2006/main">
-  <p:cSld>
-    <p:spTree>
-      <p:nvGrpSpPr>
-        <p:cNvPr id="1" name=""/>
-        <p:cNvGrpSpPr/>
-        <p:nvPr/>
-      </p:nvGrpSpPr>
-      <p:grpSpPr>
-        <a:xfrm>
-          <a:off x="0" y="0"/>
-          <a:ext cx="0" cy="0"/>
-          <a:chOff x="0" y="0"/>
-          <a:chExt cx="0" cy="0"/>
-        </a:xfrm>
-      </p:grpSpPr>
-      <p:sp>
-        <p:nvSpPr>
           <p:cNvPr id="2" name="Title 1">
             <a:extLst>
               <a:ext uri="{FF2B5EF4-FFF2-40B4-BE49-F238E27FC236}">
@@ -34046,7 +33484,7 @@
           <a:p>
             <a:fld id="{1A980C56-831A-4EAB-9EDE-57C090F4F877}" type="slidenum">
               <a:rPr lang="en-US" smtClean="0"/>
-              <a:t>32</a:t>
+              <a:t>30</a:t>
             </a:fld>
             <a:endParaRPr lang="en-US" dirty="0"/>
           </a:p>
@@ -37033,7 +36471,7 @@
 </p:sld>
 </file>
 
-<file path=ppt/slides/slide33.xml><?xml version="1.0" encoding="utf-8"?>
+<file path=ppt/slides/slide31.xml><?xml version="1.0" encoding="utf-8"?>
 <p:sld xmlns:a="http://schemas.openxmlformats.org/drawingml/2006/main" xmlns:r="http://schemas.openxmlformats.org/officeDocument/2006/relationships" xmlns:p="http://schemas.openxmlformats.org/presentationml/2006/main">
   <p:cSld>
     <p:spTree>
@@ -37228,7 +36666,7 @@
           <a:p>
             <a:fld id="{1A980C56-831A-4EAB-9EDE-57C090F4F877}" type="slidenum">
               <a:rPr lang="en-US" smtClean="0"/>
-              <a:t>33</a:t>
+              <a:t>31</a:t>
             </a:fld>
             <a:endParaRPr lang="en-US" dirty="0"/>
           </a:p>
@@ -37585,7 +37023,7 @@
 </p:sld>
 </file>
 
-<file path=ppt/slides/slide34.xml><?xml version="1.0" encoding="utf-8"?>
+<file path=ppt/slides/slide32.xml><?xml version="1.0" encoding="utf-8"?>
 <p:sld xmlns:a="http://schemas.openxmlformats.org/drawingml/2006/main" xmlns:r="http://schemas.openxmlformats.org/officeDocument/2006/relationships" xmlns:p="http://schemas.openxmlformats.org/presentationml/2006/main">
   <p:cSld>
     <p:spTree>
@@ -37683,7 +37121,7 @@
           <a:p>
             <a:fld id="{1A980C56-831A-4EAB-9EDE-57C090F4F877}" type="slidenum">
               <a:rPr lang="en-US" smtClean="0"/>
-              <a:t>34</a:t>
+              <a:t>32</a:t>
             </a:fld>
             <a:endParaRPr lang="en-US" dirty="0"/>
           </a:p>
@@ -37742,7 +37180,7 @@
 </p:sld>
 </file>
 
-<file path=ppt/slides/slide35.xml><?xml version="1.0" encoding="utf-8"?>
+<file path=ppt/slides/slide33.xml><?xml version="1.0" encoding="utf-8"?>
 <p:sld xmlns:a="http://schemas.openxmlformats.org/drawingml/2006/main" xmlns:r="http://schemas.openxmlformats.org/officeDocument/2006/relationships" xmlns:p="http://schemas.openxmlformats.org/presentationml/2006/main">
   <p:cSld>
     <p:spTree>
@@ -37840,7 +37278,7 @@
           <a:p>
             <a:fld id="{1A980C56-831A-4EAB-9EDE-57C090F4F877}" type="slidenum">
               <a:rPr lang="en-US" smtClean="0"/>
-              <a:t>35</a:t>
+              <a:t>33</a:t>
             </a:fld>
             <a:endParaRPr lang="en-US" dirty="0"/>
           </a:p>
@@ -37899,7 +37337,7 @@
 </p:sld>
 </file>
 
-<file path=ppt/slides/slide36.xml><?xml version="1.0" encoding="utf-8"?>
+<file path=ppt/slides/slide34.xml><?xml version="1.0" encoding="utf-8"?>
 <p:sld xmlns:a="http://schemas.openxmlformats.org/drawingml/2006/main" xmlns:r="http://schemas.openxmlformats.org/officeDocument/2006/relationships" xmlns:p="http://schemas.openxmlformats.org/presentationml/2006/main">
   <p:cSld>
     <p:spTree>
@@ -37944,136 +37382,82 @@
           </a:p>
         </p:txBody>
       </p:sp>
-      <mc:AlternateContent xmlns:mc="http://schemas.openxmlformats.org/markup-compatibility/2006" xmlns:a14="http://schemas.microsoft.com/office/drawing/2010/main">
-        <mc:Choice Requires="a14">
-          <p:sp>
-            <p:nvSpPr>
-              <p:cNvPr id="3" name="Content Placeholder 2">
-                <a:extLst>
-                  <a:ext uri="{FF2B5EF4-FFF2-40B4-BE49-F238E27FC236}">
-                    <a16:creationId xmlns:a16="http://schemas.microsoft.com/office/drawing/2014/main" id="{C46BE3FD-D149-E947-1228-E11B36CD05B2}"/>
-                  </a:ext>
-                </a:extLst>
-              </p:cNvPr>
-              <p:cNvSpPr>
-                <a:spLocks noGrp="1"/>
-              </p:cNvSpPr>
-              <p:nvPr>
-                <p:ph idx="1"/>
-              </p:nvPr>
-            </p:nvSpPr>
-            <p:spPr>
-              <a:xfrm>
-                <a:off x="628649" y="1825625"/>
-                <a:ext cx="7886700" cy="4351338"/>
-              </a:xfrm>
-            </p:spPr>
-            <p:txBody>
-              <a:bodyPr>
-                <a:normAutofit/>
-              </a:bodyPr>
-              <a:lstStyle/>
-              <a:p>
-                <a:r>
-                  <a:rPr lang="en-US" dirty="0"/>
-                  <a:t>The economy is over-producing output and is recording a trade surplus.</a:t>
-                </a:r>
-              </a:p>
-              <a:p>
-                <a:pPr lvl="3"/>
-                <a:endParaRPr lang="en-US" dirty="0"/>
-              </a:p>
-              <a:p>
-                <a:r>
-                  <a:rPr lang="en-US" dirty="0"/>
-                  <a:t>If we implement policies that leads to the real exchange rate appreciating, we can decrease the size of the trade surplus while lowering domestic output.</a:t>
-                </a:r>
-              </a:p>
-              <a:p>
-                <a:pPr lvl="1"/>
-                <a:r>
-                  <a:rPr lang="en-US" dirty="0"/>
-                  <a:t>Recall that a real exchange rate appreciation would be analogous to a decrease in foreign demand.</a:t>
-                </a:r>
-              </a:p>
-              <a:p>
-                <a:pPr lvl="3"/>
-                <a:endParaRPr lang="en-US" dirty="0"/>
-              </a:p>
-              <a:p>
-                <a:r>
-                  <a:rPr lang="en-US" dirty="0"/>
-                  <a:t>We should primarily target the balance of trade with </a:t>
-                </a:r>
-                <a14:m>
-                  <m:oMath xmlns:m="http://schemas.openxmlformats.org/officeDocument/2006/math">
-                    <m:r>
-                      <a:rPr lang="en-US" b="0" i="1" smtClean="0">
-                        <a:latin typeface="Cambria Math" panose="02040503050406030204" pitchFamily="18" charset="0"/>
-                      </a:rPr>
-                      <m:t>𝜀</m:t>
-                    </m:r>
-                    <m:r>
-                      <a:rPr lang="en-US" b="0" i="1" smtClean="0">
-                        <a:latin typeface="Cambria Math" panose="02040503050406030204" pitchFamily="18" charset="0"/>
-                        <a:ea typeface="Cambria Math" panose="02040503050406030204" pitchFamily="18" charset="0"/>
-                      </a:rPr>
-                      <m:t>↑</m:t>
-                    </m:r>
-                  </m:oMath>
-                </a14:m>
-                <a:r>
-                  <a:rPr lang="en-US" dirty="0"/>
-                  <a:t>, and fine-tune domestic output with fiscal policy.</a:t>
-                </a:r>
-              </a:p>
-            </p:txBody>
-          </p:sp>
-        </mc:Choice>
-        <mc:Fallback xmlns="">
-          <p:sp>
-            <p:nvSpPr>
-              <p:cNvPr id="3" name="Content Placeholder 2">
-                <a:extLst>
-                  <a:ext uri="{FF2B5EF4-FFF2-40B4-BE49-F238E27FC236}">
-                    <a16:creationId xmlns:a16="http://schemas.microsoft.com/office/drawing/2014/main" id="{C46BE3FD-D149-E947-1228-E11B36CD05B2}"/>
-                  </a:ext>
-                </a:extLst>
-              </p:cNvPr>
-              <p:cNvSpPr>
-                <a:spLocks noGrp="1" noRot="1" noChangeAspect="1" noMove="1" noResize="1" noEditPoints="1" noAdjustHandles="1" noChangeArrowheads="1" noChangeShapeType="1" noTextEdit="1"/>
-              </p:cNvSpPr>
-              <p:nvPr>
-                <p:ph idx="1"/>
-              </p:nvPr>
-            </p:nvSpPr>
-            <p:spPr>
-              <a:xfrm>
-                <a:off x="628649" y="1825625"/>
-                <a:ext cx="7886700" cy="4351338"/>
-              </a:xfrm>
-              <a:blipFill>
-                <a:blip r:embed="rId2"/>
-                <a:stretch>
-                  <a:fillRect l="-1005" t="-1821" r="-1314"/>
-                </a:stretch>
-              </a:blipFill>
-            </p:spPr>
-            <p:txBody>
-              <a:bodyPr/>
-              <a:lstStyle/>
-              <a:p>
-                <a:r>
-                  <a:rPr lang="en-US">
-                    <a:noFill/>
-                  </a:rPr>
-                  <a:t> </a:t>
-                </a:r>
-              </a:p>
-            </p:txBody>
-          </p:sp>
-        </mc:Fallback>
-      </mc:AlternateContent>
+      <p:sp>
+        <p:nvSpPr>
+          <p:cNvPr id="3" name="Content Placeholder 2">
+            <a:extLst>
+              <a:ext uri="{FF2B5EF4-FFF2-40B4-BE49-F238E27FC236}">
+                <a16:creationId xmlns:a16="http://schemas.microsoft.com/office/drawing/2014/main" id="{C46BE3FD-D149-E947-1228-E11B36CD05B2}"/>
+              </a:ext>
+            </a:extLst>
+          </p:cNvPr>
+          <p:cNvSpPr>
+            <a:spLocks noGrp="1"/>
+          </p:cNvSpPr>
+          <p:nvPr>
+            <p:ph idx="1"/>
+          </p:nvPr>
+        </p:nvSpPr>
+        <p:spPr>
+          <a:xfrm>
+            <a:off x="628649" y="1825625"/>
+            <a:ext cx="7955514" cy="4351338"/>
+          </a:xfrm>
+        </p:spPr>
+        <p:txBody>
+          <a:bodyPr>
+            <a:normAutofit/>
+          </a:bodyPr>
+          <a:lstStyle/>
+          <a:p>
+            <a:r>
+              <a:rPr lang="en-US" dirty="0"/>
+              <a:t>Output is too high, and net exports is also too high.</a:t>
+            </a:r>
+          </a:p>
+          <a:p>
+            <a:pPr lvl="3"/>
+            <a:endParaRPr lang="en-US" dirty="0"/>
+          </a:p>
+          <a:p>
+            <a:r>
+              <a:rPr lang="en-US" dirty="0"/>
+              <a:t>Implement policies that leads to the real exchange rate appreciating to decrease the size of the trade surplus while lowering domestic output.</a:t>
+            </a:r>
+          </a:p>
+          <a:p>
+            <a:pPr lvl="1"/>
+            <a:r>
+              <a:rPr lang="en-US" dirty="0"/>
+              <a:t>Recall that a real exchange rate appreciation would be analogous to a decrease in foreign demand.</a:t>
+            </a:r>
+          </a:p>
+          <a:p>
+            <a:pPr lvl="3"/>
+            <a:endParaRPr lang="en-US" dirty="0"/>
+          </a:p>
+          <a:p>
+            <a:r>
+              <a:rPr lang="en-US" dirty="0"/>
+              <a:t>Then fine-tune domestic output with fiscal policy.</a:t>
+            </a:r>
+          </a:p>
+          <a:p>
+            <a:pPr lvl="1"/>
+            <a:r>
+              <a:rPr lang="en-US" dirty="0"/>
+              <a:t>If output is now below potential output, expansionary fiscal policy.</a:t>
+            </a:r>
+          </a:p>
+          <a:p>
+            <a:pPr lvl="1"/>
+            <a:r>
+              <a:rPr lang="en-US" dirty="0"/>
+              <a:t>If output is still above potential output, contractionary fiscal policy.</a:t>
+            </a:r>
+          </a:p>
+        </p:txBody>
+      </p:sp>
       <p:sp>
         <p:nvSpPr>
           <p:cNvPr id="4" name="Date Placeholder 3">
@@ -38155,7 +37539,7 @@
           <a:p>
             <a:fld id="{1A980C56-831A-4EAB-9EDE-57C090F4F877}" type="slidenum">
               <a:rPr lang="en-US" smtClean="0"/>
-              <a:t>36</a:t>
+              <a:t>34</a:t>
             </a:fld>
             <a:endParaRPr lang="en-US" dirty="0"/>
           </a:p>
@@ -38426,6 +37810,128 @@
                       </p:childTnLst>
                     </p:cTn>
                   </p:par>
+                  <p:par>
+                    <p:cTn id="23" fill="hold">
+                      <p:stCondLst>
+                        <p:cond delay="indefinite"/>
+                      </p:stCondLst>
+                      <p:childTnLst>
+                        <p:par>
+                          <p:cTn id="24" fill="hold">
+                            <p:stCondLst>
+                              <p:cond delay="0"/>
+                            </p:stCondLst>
+                            <p:childTnLst>
+                              <p:par>
+                                <p:cTn id="25" presetID="10" presetClass="entr" presetSubtype="0" fill="hold" nodeType="clickEffect">
+                                  <p:stCondLst>
+                                    <p:cond delay="0"/>
+                                  </p:stCondLst>
+                                  <p:childTnLst>
+                                    <p:set>
+                                      <p:cBhvr>
+                                        <p:cTn id="26" dur="1" fill="hold">
+                                          <p:stCondLst>
+                                            <p:cond delay="0"/>
+                                          </p:stCondLst>
+                                        </p:cTn>
+                                        <p:tgtEl>
+                                          <p:spTgt spid="3">
+                                            <p:txEl>
+                                              <p:pRg st="6" end="6"/>
+                                            </p:txEl>
+                                          </p:spTgt>
+                                        </p:tgtEl>
+                                        <p:attrNameLst>
+                                          <p:attrName>style.visibility</p:attrName>
+                                        </p:attrNameLst>
+                                      </p:cBhvr>
+                                      <p:to>
+                                        <p:strVal val="visible"/>
+                                      </p:to>
+                                    </p:set>
+                                    <p:animEffect transition="in" filter="fade">
+                                      <p:cBhvr>
+                                        <p:cTn id="27" dur="500"/>
+                                        <p:tgtEl>
+                                          <p:spTgt spid="3">
+                                            <p:txEl>
+                                              <p:pRg st="6" end="6"/>
+                                            </p:txEl>
+                                          </p:spTgt>
+                                        </p:tgtEl>
+                                      </p:cBhvr>
+                                    </p:animEffect>
+                                  </p:childTnLst>
+                                </p:cTn>
+                              </p:par>
+                            </p:childTnLst>
+                          </p:cTn>
+                        </p:par>
+                      </p:childTnLst>
+                    </p:cTn>
+                  </p:par>
+                  <p:par>
+                    <p:cTn id="28" fill="hold">
+                      <p:stCondLst>
+                        <p:cond delay="indefinite"/>
+                      </p:stCondLst>
+                      <p:childTnLst>
+                        <p:par>
+                          <p:cTn id="29" fill="hold">
+                            <p:stCondLst>
+                              <p:cond delay="0"/>
+                            </p:stCondLst>
+                            <p:childTnLst>
+                              <p:par>
+                                <p:cTn id="30" presetID="10" presetClass="entr" presetSubtype="0" fill="hold" nodeType="clickEffect">
+                                  <p:stCondLst>
+                                    <p:cond delay="0"/>
+                                  </p:stCondLst>
+                                  <p:childTnLst>
+                                    <p:set>
+                                      <p:cBhvr>
+                                        <p:cTn id="31" dur="1" fill="hold">
+                                          <p:stCondLst>
+                                            <p:cond delay="0"/>
+                                          </p:stCondLst>
+                                        </p:cTn>
+                                        <p:tgtEl>
+                                          <p:spTgt spid="3">
+                                            <p:txEl>
+                                              <p:pRg st="7" end="7"/>
+                                            </p:txEl>
+                                          </p:spTgt>
+                                        </p:tgtEl>
+                                        <p:attrNameLst>
+                                          <p:attrName>style.visibility</p:attrName>
+                                        </p:attrNameLst>
+                                      </p:cBhvr>
+                                      <p:to>
+                                        <p:strVal val="visible"/>
+                                      </p:to>
+                                    </p:set>
+                                    <p:animEffect transition="in" filter="fade">
+                                      <p:cBhvr>
+                                        <p:cTn id="32" dur="500"/>
+                                        <p:tgtEl>
+                                          <p:spTgt spid="3">
+                                            <p:txEl>
+                                              <p:pRg st="7" end="7"/>
+                                            </p:txEl>
+                                          </p:spTgt>
+                                        </p:tgtEl>
+                                      </p:cBhvr>
+                                    </p:animEffect>
+                                  </p:childTnLst>
+                                </p:cTn>
+                              </p:par>
+                            </p:childTnLst>
+                          </p:cTn>
+                        </p:par>
+                      </p:childTnLst>
+                    </p:cTn>
+                  </p:par>
                 </p:childTnLst>
               </p:cTn>
               <p:prevCondLst>
@@ -38451,7 +37957,7 @@
 </p:sld>
 </file>
 
-<file path=ppt/slides/slide37.xml><?xml version="1.0" encoding="utf-8"?>
+<file path=ppt/slides/slide35.xml><?xml version="1.0" encoding="utf-8"?>
 <p:sld xmlns:a="http://schemas.openxmlformats.org/drawingml/2006/main" xmlns:r="http://schemas.openxmlformats.org/officeDocument/2006/relationships" xmlns:p="http://schemas.openxmlformats.org/presentationml/2006/main">
   <p:cSld>
     <p:spTree>
@@ -38491,224 +37997,86 @@
           <a:p>
             <a:r>
               <a:rPr lang="en-US" dirty="0"/>
-              <a:t>When the Economy is Open…</a:t>
+              <a:t>Wrapping Up</a:t>
             </a:r>
           </a:p>
         </p:txBody>
       </p:sp>
-      <mc:AlternateContent xmlns:mc="http://schemas.openxmlformats.org/markup-compatibility/2006">
-        <mc:Choice xmlns:a14="http://schemas.microsoft.com/office/drawing/2010/main" Requires="a14">
-          <p:sp>
-            <p:nvSpPr>
-              <p:cNvPr id="3" name="Content Placeholder 2">
-                <a:extLst>
-                  <a:ext uri="{FF2B5EF4-FFF2-40B4-BE49-F238E27FC236}">
-                    <a16:creationId xmlns:a16="http://schemas.microsoft.com/office/drawing/2014/main" id="{C46BE3FD-D149-E947-1228-E11B36CD05B2}"/>
-                  </a:ext>
-                </a:extLst>
-              </p:cNvPr>
-              <p:cNvSpPr>
-                <a:spLocks noGrp="1"/>
-              </p:cNvSpPr>
-              <p:nvPr>
-                <p:ph idx="1"/>
-              </p:nvPr>
-            </p:nvSpPr>
-            <p:spPr>
-              <a:xfrm>
-                <a:off x="628649" y="1825625"/>
-                <a:ext cx="7886700" cy="4351338"/>
-              </a:xfrm>
-            </p:spPr>
-            <p:txBody>
-              <a:bodyPr>
-                <a:normAutofit/>
-              </a:bodyPr>
-              <a:lstStyle/>
-              <a:p>
-                <a:r>
-                  <a:rPr lang="en-US" dirty="0"/>
-                  <a:t>An increase in domestic demand will lead to an increase in domestic output (smaller than the closed economy).</a:t>
-                </a:r>
-              </a:p>
-              <a:p>
-                <a:pPr lvl="3"/>
-                <a:endParaRPr lang="en-US" dirty="0"/>
-              </a:p>
-              <a:p>
-                <a:r>
-                  <a:rPr lang="en-US" dirty="0"/>
-                  <a:t>An increase in foreign demand leads to an increase in domestic output and improvement of the trade balance.</a:t>
-                </a:r>
-              </a:p>
-              <a:p>
-                <a:pPr lvl="3"/>
-                <a:endParaRPr lang="en-US" dirty="0"/>
-              </a:p>
-              <a:p>
-                <a:r>
-                  <a:rPr lang="en-US" dirty="0"/>
-                  <a:t>Assuming that the Marshall-Lerner conditions hold…</a:t>
-                </a:r>
-                <a:endParaRPr lang="en-US" dirty="0">
-                  <a:latin typeface="Cambria Math" panose="02040503050406030204" pitchFamily="18" charset="0"/>
-                </a:endParaRPr>
-              </a:p>
-              <a:p>
-                <a:pPr lvl="1"/>
-                <a14:m>
-                  <m:oMath xmlns:m="http://schemas.openxmlformats.org/officeDocument/2006/math">
-                    <m:r>
-                      <a:rPr lang="en-US" i="1">
-                        <a:latin typeface="Cambria Math" panose="02040503050406030204" pitchFamily="18" charset="0"/>
-                      </a:rPr>
-                      <m:t>𝜀</m:t>
-                    </m:r>
-                    <m:r>
-                      <a:rPr lang="en-US" i="1">
-                        <a:latin typeface="Cambria Math" panose="02040503050406030204" pitchFamily="18" charset="0"/>
-                        <a:ea typeface="Cambria Math" panose="02040503050406030204" pitchFamily="18" charset="0"/>
-                      </a:rPr>
-                      <m:t>↓   ⟹   </m:t>
-                    </m:r>
-                    <m:r>
-                      <a:rPr lang="en-US" i="1">
-                        <a:latin typeface="Cambria Math" panose="02040503050406030204" pitchFamily="18" charset="0"/>
-                        <a:ea typeface="Cambria Math" panose="02040503050406030204" pitchFamily="18" charset="0"/>
-                      </a:rPr>
-                      <m:t>𝑌</m:t>
-                    </m:r>
-                    <m:r>
-                      <a:rPr lang="en-US" i="1">
-                        <a:latin typeface="Cambria Math" panose="02040503050406030204" pitchFamily="18" charset="0"/>
-                        <a:ea typeface="Cambria Math" panose="02040503050406030204" pitchFamily="18" charset="0"/>
-                      </a:rPr>
-                      <m:t>↑  &amp;  </m:t>
-                    </m:r>
-                    <m:r>
-                      <a:rPr lang="en-US" i="1">
-                        <a:latin typeface="Cambria Math" panose="02040503050406030204" pitchFamily="18" charset="0"/>
-                        <a:ea typeface="Cambria Math" panose="02040503050406030204" pitchFamily="18" charset="0"/>
-                      </a:rPr>
-                      <m:t>𝑁𝑋</m:t>
-                    </m:r>
-                    <m:r>
-                      <a:rPr lang="en-US" i="1">
-                        <a:latin typeface="Cambria Math" panose="02040503050406030204" pitchFamily="18" charset="0"/>
-                        <a:ea typeface="Cambria Math" panose="02040503050406030204" pitchFamily="18" charset="0"/>
-                      </a:rPr>
-                      <m:t>↑</m:t>
-                    </m:r>
-                  </m:oMath>
-                </a14:m>
-                <a:endParaRPr lang="en-US" dirty="0"/>
-              </a:p>
-              <a:p>
-                <a:pPr lvl="1"/>
-                <a14:m>
-                  <m:oMath xmlns:m="http://schemas.openxmlformats.org/officeDocument/2006/math">
-                    <m:r>
-                      <a:rPr lang="en-US" i="1">
-                        <a:latin typeface="Cambria Math" panose="02040503050406030204" pitchFamily="18" charset="0"/>
-                      </a:rPr>
-                      <m:t>𝜀</m:t>
-                    </m:r>
-                    <m:r>
-                      <a:rPr lang="en-US" i="1">
-                        <a:latin typeface="Cambria Math" panose="02040503050406030204" pitchFamily="18" charset="0"/>
-                        <a:ea typeface="Cambria Math" panose="02040503050406030204" pitchFamily="18" charset="0"/>
-                      </a:rPr>
-                      <m:t>↑</m:t>
-                    </m:r>
-                    <m:r>
-                      <a:rPr lang="en-US" i="1">
-                        <a:latin typeface="Cambria Math" panose="02040503050406030204" pitchFamily="18" charset="0"/>
-                        <a:ea typeface="Cambria Math" panose="02040503050406030204" pitchFamily="18" charset="0"/>
-                      </a:rPr>
-                      <m:t>   ⟹   </m:t>
-                    </m:r>
-                    <m:r>
-                      <a:rPr lang="en-US" i="1">
-                        <a:latin typeface="Cambria Math" panose="02040503050406030204" pitchFamily="18" charset="0"/>
-                        <a:ea typeface="Cambria Math" panose="02040503050406030204" pitchFamily="18" charset="0"/>
-                      </a:rPr>
-                      <m:t>𝑌</m:t>
-                    </m:r>
-                    <m:r>
-                      <a:rPr lang="en-US" i="1">
-                        <a:latin typeface="Cambria Math" panose="02040503050406030204" pitchFamily="18" charset="0"/>
-                        <a:ea typeface="Cambria Math" panose="02040503050406030204" pitchFamily="18" charset="0"/>
-                      </a:rPr>
-                      <m:t>↓  &amp;  </m:t>
-                    </m:r>
-                    <m:r>
-                      <a:rPr lang="en-US" i="1">
-                        <a:latin typeface="Cambria Math" panose="02040503050406030204" pitchFamily="18" charset="0"/>
-                        <a:ea typeface="Cambria Math" panose="02040503050406030204" pitchFamily="18" charset="0"/>
-                      </a:rPr>
-                      <m:t>𝑁𝑋</m:t>
-                    </m:r>
-                    <m:r>
-                      <a:rPr lang="en-US" i="1">
-                        <a:latin typeface="Cambria Math" panose="02040503050406030204" pitchFamily="18" charset="0"/>
-                        <a:ea typeface="Cambria Math" panose="02040503050406030204" pitchFamily="18" charset="0"/>
-                      </a:rPr>
-                      <m:t>↓</m:t>
-                    </m:r>
-                  </m:oMath>
-                </a14:m>
-                <a:endParaRPr lang="en-US" dirty="0"/>
-              </a:p>
-              <a:p>
-                <a:endParaRPr lang="en-US" dirty="0"/>
-              </a:p>
-            </p:txBody>
-          </p:sp>
-        </mc:Choice>
-        <mc:Fallback>
-          <p:sp>
-            <p:nvSpPr>
-              <p:cNvPr id="3" name="Content Placeholder 2">
-                <a:extLst>
-                  <a:ext uri="{FF2B5EF4-FFF2-40B4-BE49-F238E27FC236}">
-                    <a16:creationId xmlns:a16="http://schemas.microsoft.com/office/drawing/2014/main" id="{C46BE3FD-D149-E947-1228-E11B36CD05B2}"/>
-                  </a:ext>
-                </a:extLst>
-              </p:cNvPr>
-              <p:cNvSpPr>
-                <a:spLocks noGrp="1" noRot="1" noChangeAspect="1" noMove="1" noResize="1" noEditPoints="1" noAdjustHandles="1" noChangeArrowheads="1" noChangeShapeType="1" noTextEdit="1"/>
-              </p:cNvSpPr>
-              <p:nvPr>
-                <p:ph idx="1"/>
-              </p:nvPr>
-            </p:nvSpPr>
-            <p:spPr>
-              <a:xfrm>
-                <a:off x="628649" y="1825625"/>
-                <a:ext cx="7886700" cy="4351338"/>
-              </a:xfrm>
-              <a:blipFill>
-                <a:blip r:embed="rId2"/>
-                <a:stretch>
-                  <a:fillRect l="-1005" t="-1821"/>
-                </a:stretch>
-              </a:blipFill>
-            </p:spPr>
-            <p:txBody>
-              <a:bodyPr/>
-              <a:lstStyle/>
-              <a:p>
-                <a:r>
-                  <a:rPr lang="en-US">
-                    <a:noFill/>
-                  </a:rPr>
-                  <a:t> </a:t>
-                </a:r>
-              </a:p>
-            </p:txBody>
-          </p:sp>
-        </mc:Fallback>
-      </mc:AlternateContent>
+      <p:sp>
+        <p:nvSpPr>
+          <p:cNvPr id="3" name="Content Placeholder 2">
+            <a:extLst>
+              <a:ext uri="{FF2B5EF4-FFF2-40B4-BE49-F238E27FC236}">
+                <a16:creationId xmlns:a16="http://schemas.microsoft.com/office/drawing/2014/main" id="{C46BE3FD-D149-E947-1228-E11B36CD05B2}"/>
+              </a:ext>
+            </a:extLst>
+          </p:cNvPr>
+          <p:cNvSpPr>
+            <a:spLocks noGrp="1"/>
+          </p:cNvSpPr>
+          <p:nvPr>
+            <p:ph idx="1"/>
+          </p:nvPr>
+        </p:nvSpPr>
+        <p:spPr>
+          <a:xfrm>
+            <a:off x="628649" y="1825625"/>
+            <a:ext cx="7886700" cy="4351338"/>
+          </a:xfrm>
+        </p:spPr>
+        <p:txBody>
+          <a:bodyPr>
+            <a:normAutofit/>
+          </a:bodyPr>
+          <a:lstStyle/>
+          <a:p>
+            <a:r>
+              <a:rPr lang="en-US" dirty="0"/>
+              <a:t>An increase in domestic demand will lead to an increase in domestic output.</a:t>
+            </a:r>
+          </a:p>
+          <a:p>
+            <a:pPr lvl="1"/>
+            <a:r>
+              <a:rPr lang="en-US" dirty="0"/>
+              <a:t>The magnitude is smaller than the closed economy’s case.</a:t>
+            </a:r>
+          </a:p>
+          <a:p>
+            <a:pPr lvl="3"/>
+            <a:endParaRPr lang="en-US" dirty="0"/>
+          </a:p>
+          <a:p>
+            <a:r>
+              <a:rPr lang="en-US" dirty="0"/>
+              <a:t>An increase in foreign demand leads to an increase in domestic output and the trade balance improving.</a:t>
+            </a:r>
+          </a:p>
+          <a:p>
+            <a:pPr lvl="3"/>
+            <a:endParaRPr lang="en-US" dirty="0"/>
+          </a:p>
+          <a:p>
+            <a:r>
+              <a:rPr lang="en-US" dirty="0"/>
+              <a:t>A real depreciation will lead to an increase in domestic output and the trade balance improving.</a:t>
+            </a:r>
+          </a:p>
+          <a:p>
+            <a:pPr lvl="4"/>
+            <a:endParaRPr lang="en-US" dirty="0"/>
+          </a:p>
+          <a:p>
+            <a:r>
+              <a:rPr lang="en-US" dirty="0"/>
+              <a:t>To target two “goals,” policymakers must rely on at least two “tools” in their policy toolkit.</a:t>
+            </a:r>
+          </a:p>
+          <a:p>
+            <a:endParaRPr lang="en-US" dirty="0"/>
+          </a:p>
+        </p:txBody>
+      </p:sp>
       <p:sp>
         <p:nvSpPr>
           <p:cNvPr id="4" name="Date Placeholder 3">
@@ -38790,7 +38158,7 @@
           <a:p>
             <a:fld id="{1A980C56-831A-4EAB-9EDE-57C090F4F877}" type="slidenum">
               <a:rPr lang="en-US" smtClean="0"/>
-              <a:t>37</a:t>
+              <a:t>35</a:t>
             </a:fld>
             <a:endParaRPr lang="en-US" dirty="0"/>
           </a:p>
@@ -38906,7 +38274,7 @@
                                         <p:tgtEl>
                                           <p:spTgt spid="3">
                                             <p:txEl>
-                                              <p:pRg st="2" end="2"/>
+                                              <p:pRg st="1" end="1"/>
                                             </p:txEl>
                                           </p:spTgt>
                                         </p:tgtEl>
@@ -38924,7 +38292,7 @@
                                         <p:tgtEl>
                                           <p:spTgt spid="3">
                                             <p:txEl>
-                                              <p:pRg st="2" end="2"/>
+                                              <p:pRg st="1" end="1"/>
                                             </p:txEl>
                                           </p:spTgt>
                                         </p:tgtEl>
@@ -38967,7 +38335,7 @@
                                         <p:tgtEl>
                                           <p:spTgt spid="3">
                                             <p:txEl>
-                                              <p:pRg st="4" end="4"/>
+                                              <p:pRg st="3" end="3"/>
                                             </p:txEl>
                                           </p:spTgt>
                                         </p:tgtEl>
@@ -38985,7 +38353,7 @@
                                         <p:tgtEl>
                                           <p:spTgt spid="3">
                                             <p:txEl>
-                                              <p:pRg st="4" end="4"/>
+                                              <p:pRg st="3" end="3"/>
                                             </p:txEl>
                                           </p:spTgt>
                                         </p:tgtEl>
@@ -39089,7 +38457,7 @@
                                         <p:tgtEl>
                                           <p:spTgt spid="3">
                                             <p:txEl>
-                                              <p:pRg st="6" end="6"/>
+                                              <p:pRg st="7" end="7"/>
                                             </p:txEl>
                                           </p:spTgt>
                                         </p:tgtEl>
@@ -39107,7 +38475,7 @@
                                         <p:tgtEl>
                                           <p:spTgt spid="3">
                                             <p:txEl>
-                                              <p:pRg st="6" end="6"/>
+                                              <p:pRg st="7" end="7"/>
                                             </p:txEl>
                                           </p:spTgt>
                                         </p:tgtEl>
@@ -43356,23 +42724,11 @@
 
 <file path=ppt/tags/tag3.xml><?xml version="1.0" encoding="utf-8"?>
 <p:tagLst xmlns:a="http://schemas.openxmlformats.org/drawingml/2006/main" xmlns:r="http://schemas.openxmlformats.org/officeDocument/2006/relationships" xmlns:p="http://schemas.openxmlformats.org/presentationml/2006/main">
-  <p:tag name="__PE_POLL_EMBED_ID" val="f446ac35-e56f-4240-a217-46efc2926128"/>
+  <p:tag name="__PE_POLL_EMBED_ID" val="06cbffb4-03b8-47df-9350-29b26b59ed6d"/>
 </p:tagLst>
 </file>
 
 <file path=ppt/tags/tag4.xml><?xml version="1.0" encoding="utf-8"?>
-<p:tagLst xmlns:a="http://schemas.openxmlformats.org/drawingml/2006/main" xmlns:r="http://schemas.openxmlformats.org/officeDocument/2006/relationships" xmlns:p="http://schemas.openxmlformats.org/presentationml/2006/main">
-  <p:tag name="__PE_POLL_EMBED_ID" val="5c911205-968b-4ee3-b868-a9fd5f751cb1"/>
-</p:tagLst>
-</file>
-
-<file path=ppt/tags/tag5.xml><?xml version="1.0" encoding="utf-8"?>
-<p:tagLst xmlns:a="http://schemas.openxmlformats.org/drawingml/2006/main" xmlns:r="http://schemas.openxmlformats.org/officeDocument/2006/relationships" xmlns:p="http://schemas.openxmlformats.org/presentationml/2006/main">
-  <p:tag name="__PE_POLL_EMBED_ID" val="06cbffb4-03b8-47df-9350-29b26b59ed6d"/>
-</p:tagLst>
-</file>
-
-<file path=ppt/tags/tag6.xml><?xml version="1.0" encoding="utf-8"?>
 <p:tagLst xmlns:a="http://schemas.openxmlformats.org/drawingml/2006/main" xmlns:r="http://schemas.openxmlformats.org/officeDocument/2006/relationships" xmlns:p="http://schemas.openxmlformats.org/presentationml/2006/main">
   <p:tag name="__PE_POLL_EMBED_ID" val="9692006d-48cc-4574-8e4f-0f47d30f16ef"/>
 </p:tagLst>
